--- a/1112 TeamProject/etc/BabyGrowth Team PPT.pptx
+++ b/1112 TeamProject/etc/BabyGrowth Team PPT.pptx
@@ -10436,627 +10436,1106 @@
           </a:p>
         </p:txBody>
       </p:sp>
-      <p:pic>
-        <p:nvPicPr>
-          <p:cNvPr id="5" name="Image 3" descr="preencoded.png"/>
-          <p:cNvPicPr>
-            <a:picLocks noChangeAspect="1"/>
-          </p:cNvPicPr>
-          <p:nvPr/>
-        </p:nvPicPr>
-        <p:blipFill>
-          <a:blip r:embed="rId6"/>
-          <a:stretch>
-            <a:fillRect/>
-          </a:stretch>
-        </p:blipFill>
-        <p:spPr>
-          <a:xfrm>
-            <a:off x="6172200" y="1485900"/>
+      <p:grpSp>
+        <p:nvGrpSpPr>
+          <p:cNvPr id="13" name="그룹 12">
+            <a:extLst>
+              <a:ext uri="{FF2B5EF4-FFF2-40B4-BE49-F238E27FC236}">
+                <a16:creationId xmlns:a16="http://schemas.microsoft.com/office/drawing/2014/main" id="{82C0A3DC-7A02-4C0E-90DF-9BB64A755CF0}"/>
+              </a:ext>
+            </a:extLst>
+          </p:cNvPr>
+          <p:cNvGrpSpPr/>
+          <p:nvPr/>
+        </p:nvGrpSpPr>
+        <p:grpSpPr>
+          <a:xfrm>
+            <a:off x="609600" y="2383368"/>
+            <a:ext cx="5701248" cy="762000"/>
+            <a:chOff x="6172200" y="1485900"/>
+            <a:chExt cx="5701248" cy="762000"/>
+          </a:xfrm>
+        </p:grpSpPr>
+        <p:pic>
+          <p:nvPicPr>
+            <p:cNvPr id="5" name="Image 3" descr="preencoded.png"/>
+            <p:cNvPicPr>
+              <a:picLocks noChangeAspect="1"/>
+            </p:cNvPicPr>
+            <p:nvPr/>
+          </p:nvPicPr>
+          <p:blipFill>
+            <a:blip r:embed="rId6"/>
+            <a:stretch>
+              <a:fillRect/>
+            </a:stretch>
+          </p:blipFill>
+          <p:spPr>
+            <a:xfrm>
+              <a:off x="6172200" y="1485900"/>
+              <a:ext cx="5410200" cy="762000"/>
+            </a:xfrm>
+            <a:prstGeom prst="rect">
+              <a:avLst/>
+            </a:prstGeom>
+          </p:spPr>
+        </p:pic>
+        <p:pic>
+          <p:nvPicPr>
+            <p:cNvPr id="6" name="Image 4" descr="preencoded.png"/>
+            <p:cNvPicPr>
+              <a:picLocks noChangeAspect="1"/>
+            </p:cNvPicPr>
+            <p:nvPr/>
+          </p:nvPicPr>
+          <p:blipFill>
+            <a:blip r:embed="rId7">
+              <a:duotone>
+                <a:prstClr val="black"/>
+                <a:schemeClr val="accent2">
+                  <a:tint val="45000"/>
+                  <a:satMod val="400000"/>
+                </a:schemeClr>
+              </a:duotone>
+            </a:blip>
+            <a:stretch>
+              <a:fillRect/>
+            </a:stretch>
+          </p:blipFill>
+          <p:spPr>
+            <a:xfrm>
+              <a:off x="6286500" y="1600200"/>
+              <a:ext cx="476250" cy="476250"/>
+            </a:xfrm>
+            <a:prstGeom prst="rect">
+              <a:avLst/>
+            </a:prstGeom>
+          </p:spPr>
+        </p:pic>
+        <p:sp>
+          <p:nvSpPr>
+            <p:cNvPr id="30" name="Text 1"/>
+            <p:cNvSpPr/>
+            <p:nvPr/>
+          </p:nvSpPr>
+          <p:spPr>
+            <a:xfrm>
+              <a:off x="6915150" y="1600200"/>
+              <a:ext cx="4958298" cy="266700"/>
+            </a:xfrm>
+            <a:prstGeom prst="rect">
+              <a:avLst/>
+            </a:prstGeom>
+            <a:noFill/>
+            <a:ln/>
+          </p:spPr>
+          <p:txBody>
+            <a:bodyPr vert="horz" wrap="square" lIns="0" tIns="0" rIns="0" bIns="0" rtlCol="0" anchor="t"/>
+            <a:lstStyle/>
+            <a:p>
+              <a:pPr>
+                <a:lnSpc>
+                  <a:spcPts val="2100"/>
+                </a:lnSpc>
+              </a:pPr>
+              <a:r>
+                <a:rPr lang="en-US" altLang="ko-KR" sz="1600" b="1" dirty="0" err="1">
+                  <a:latin typeface="Noto Sans KR" panose="020B0200000000000000" pitchFamily="50" charset="-127"/>
+                  <a:ea typeface="Noto Sans KR" panose="020B0200000000000000" pitchFamily="50" charset="-127"/>
+                </a:rPr>
+                <a:t>cordova</a:t>
+              </a:r>
+              <a:r>
+                <a:rPr lang="en-US" altLang="ko-KR" sz="1600" b="1" dirty="0">
+                  <a:latin typeface="Noto Sans KR" panose="020B0200000000000000" pitchFamily="50" charset="-127"/>
+                  <a:ea typeface="Noto Sans KR" panose="020B0200000000000000" pitchFamily="50" charset="-127"/>
+                </a:rPr>
+                <a:t>-plugin-android-permissions</a:t>
+              </a:r>
+              <a:endParaRPr lang="en-US" sz="1500" b="1" dirty="0">
+                <a:latin typeface="Noto Sans KR" panose="020B0200000000000000" pitchFamily="50" charset="-127"/>
+                <a:ea typeface="Noto Sans KR" panose="020B0200000000000000" pitchFamily="50" charset="-127"/>
+              </a:endParaRPr>
+            </a:p>
+          </p:txBody>
+        </p:sp>
+        <p:sp>
+          <p:nvSpPr>
+            <p:cNvPr id="31" name="Text 2"/>
+            <p:cNvSpPr/>
+            <p:nvPr/>
+          </p:nvSpPr>
+          <p:spPr>
+            <a:xfrm>
+              <a:off x="6915150" y="1905000"/>
+              <a:ext cx="4958298" cy="228600"/>
+            </a:xfrm>
+            <a:prstGeom prst="rect">
+              <a:avLst/>
+            </a:prstGeom>
+            <a:noFill/>
+            <a:ln/>
+          </p:spPr>
+          <p:txBody>
+            <a:bodyPr vert="horz" wrap="square" lIns="0" tIns="0" rIns="0" bIns="0" rtlCol="0" anchor="t"/>
+            <a:lstStyle/>
+            <a:p>
+              <a:pPr>
+                <a:lnSpc>
+                  <a:spcPts val="1800"/>
+                </a:lnSpc>
+              </a:pPr>
+              <a:r>
+                <a:rPr lang="en-US" altLang="ko-KR" sz="1200" dirty="0">
+                  <a:latin typeface="Noto Sans KR" panose="020B0200000000000000" pitchFamily="50" charset="-127"/>
+                  <a:ea typeface="Noto Sans KR" panose="020B0200000000000000" pitchFamily="50" charset="-127"/>
+                </a:rPr>
+                <a:t>Android </a:t>
+              </a:r>
+              <a:r>
+                <a:rPr lang="ko-KR" altLang="en-US" sz="1200" b="1" dirty="0">
+                  <a:latin typeface="Noto Sans KR" panose="020B0200000000000000" pitchFamily="50" charset="-127"/>
+                  <a:ea typeface="Noto Sans KR" panose="020B0200000000000000" pitchFamily="50" charset="-127"/>
+                </a:rPr>
+                <a:t>런타임 권한</a:t>
+              </a:r>
+              <a:r>
+                <a:rPr lang="ko-KR" altLang="en-US" sz="1200" dirty="0">
+                  <a:latin typeface="Noto Sans KR" panose="020B0200000000000000" pitchFamily="50" charset="-127"/>
+                  <a:ea typeface="Noto Sans KR" panose="020B0200000000000000" pitchFamily="50" charset="-127"/>
+                </a:rPr>
+                <a:t> 요청 및 관리</a:t>
+              </a:r>
+              <a:endParaRPr lang="en-US" sz="1200" dirty="0">
+                <a:latin typeface="Noto Sans KR" panose="020B0200000000000000" pitchFamily="50" charset="-127"/>
+                <a:ea typeface="Noto Sans KR" panose="020B0200000000000000" pitchFamily="50" charset="-127"/>
+              </a:endParaRPr>
+            </a:p>
+          </p:txBody>
+        </p:sp>
+      </p:grpSp>
+      <p:grpSp>
+        <p:nvGrpSpPr>
+          <p:cNvPr id="14" name="그룹 13">
+            <a:extLst>
+              <a:ext uri="{FF2B5EF4-FFF2-40B4-BE49-F238E27FC236}">
+                <a16:creationId xmlns:a16="http://schemas.microsoft.com/office/drawing/2014/main" id="{3F723780-8E77-4ED7-929C-B3E5DC73A036}"/>
+              </a:ext>
+            </a:extLst>
+          </p:cNvPr>
+          <p:cNvGrpSpPr/>
+          <p:nvPr/>
+        </p:nvGrpSpPr>
+        <p:grpSpPr>
+          <a:xfrm>
+            <a:off x="6172200" y="2400300"/>
             <a:ext cx="5410200" cy="762000"/>
-          </a:xfrm>
-          <a:prstGeom prst="rect">
-            <a:avLst/>
-          </a:prstGeom>
-        </p:spPr>
-      </p:pic>
-      <p:pic>
-        <p:nvPicPr>
-          <p:cNvPr id="6" name="Image 4" descr="preencoded.png"/>
-          <p:cNvPicPr>
-            <a:picLocks noChangeAspect="1"/>
-          </p:cNvPicPr>
-          <p:nvPr/>
-        </p:nvPicPr>
-        <p:blipFill>
-          <a:blip r:embed="rId7">
-            <a:duotone>
-              <a:prstClr val="black"/>
-              <a:schemeClr val="accent1">
-                <a:tint val="45000"/>
-                <a:satMod val="400000"/>
-              </a:schemeClr>
-            </a:duotone>
-          </a:blip>
-          <a:stretch>
-            <a:fillRect/>
-          </a:stretch>
-        </p:blipFill>
-        <p:spPr>
-          <a:xfrm>
-            <a:off x="6286500" y="1600200"/>
-            <a:ext cx="476250" cy="476250"/>
-          </a:xfrm>
-          <a:prstGeom prst="rect">
-            <a:avLst/>
-          </a:prstGeom>
-        </p:spPr>
-      </p:pic>
+            <a:chOff x="6172200" y="2400300"/>
+            <a:chExt cx="5410200" cy="762000"/>
+          </a:xfrm>
+        </p:grpSpPr>
+        <p:pic>
+          <p:nvPicPr>
+            <p:cNvPr id="11" name="Image 9" descr="preencoded.png"/>
+            <p:cNvPicPr>
+              <a:picLocks noChangeAspect="1"/>
+            </p:cNvPicPr>
+            <p:nvPr/>
+          </p:nvPicPr>
+          <p:blipFill>
+            <a:blip r:embed="rId6"/>
+            <a:stretch>
+              <a:fillRect/>
+            </a:stretch>
+          </p:blipFill>
+          <p:spPr>
+            <a:xfrm>
+              <a:off x="6172200" y="2400300"/>
+              <a:ext cx="5410200" cy="762000"/>
+            </a:xfrm>
+            <a:prstGeom prst="rect">
+              <a:avLst/>
+            </a:prstGeom>
+          </p:spPr>
+        </p:pic>
+        <p:pic>
+          <p:nvPicPr>
+            <p:cNvPr id="12" name="Image 10" descr="preencoded.png"/>
+            <p:cNvPicPr>
+              <a:picLocks noChangeAspect="1"/>
+            </p:cNvPicPr>
+            <p:nvPr/>
+          </p:nvPicPr>
+          <p:blipFill>
+            <a:blip r:embed="rId8">
+              <a:duotone>
+                <a:prstClr val="black"/>
+                <a:schemeClr val="accent1">
+                  <a:tint val="45000"/>
+                  <a:satMod val="400000"/>
+                </a:schemeClr>
+              </a:duotone>
+            </a:blip>
+            <a:stretch>
+              <a:fillRect/>
+            </a:stretch>
+          </p:blipFill>
+          <p:spPr>
+            <a:xfrm>
+              <a:off x="6286500" y="2514600"/>
+              <a:ext cx="476250" cy="476250"/>
+            </a:xfrm>
+            <a:prstGeom prst="rect">
+              <a:avLst/>
+            </a:prstGeom>
+          </p:spPr>
+        </p:pic>
+        <p:sp>
+          <p:nvSpPr>
+            <p:cNvPr id="34" name="Text 5"/>
+            <p:cNvSpPr/>
+            <p:nvPr/>
+          </p:nvSpPr>
+          <p:spPr>
+            <a:xfrm>
+              <a:off x="6915150" y="2514600"/>
+              <a:ext cx="3404008" cy="266700"/>
+            </a:xfrm>
+            <a:prstGeom prst="rect">
+              <a:avLst/>
+            </a:prstGeom>
+            <a:noFill/>
+            <a:ln/>
+          </p:spPr>
+          <p:txBody>
+            <a:bodyPr vert="horz" wrap="square" lIns="0" tIns="0" rIns="0" bIns="0" rtlCol="0" anchor="t"/>
+            <a:lstStyle/>
+            <a:p>
+              <a:pPr>
+                <a:lnSpc>
+                  <a:spcPts val="2100"/>
+                </a:lnSpc>
+              </a:pPr>
+              <a:r>
+                <a:rPr lang="en-US" altLang="ko-KR" sz="1600" b="1" dirty="0" err="1">
+                  <a:latin typeface="Noto Sans KR" panose="020B0200000000000000" pitchFamily="50" charset="-127"/>
+                  <a:ea typeface="Noto Sans KR" panose="020B0200000000000000" pitchFamily="50" charset="-127"/>
+                </a:rPr>
+                <a:t>cordova</a:t>
+              </a:r>
+              <a:r>
+                <a:rPr lang="en-US" altLang="ko-KR" sz="1600" b="1" dirty="0">
+                  <a:latin typeface="Noto Sans KR" panose="020B0200000000000000" pitchFamily="50" charset="-127"/>
+                  <a:ea typeface="Noto Sans KR" panose="020B0200000000000000" pitchFamily="50" charset="-127"/>
+                </a:rPr>
+                <a:t>-plugin-</a:t>
+              </a:r>
+              <a:r>
+                <a:rPr lang="en-US" altLang="ko-KR" sz="1600" b="1" dirty="0" err="1">
+                  <a:latin typeface="Noto Sans KR" panose="020B0200000000000000" pitchFamily="50" charset="-127"/>
+                  <a:ea typeface="Noto Sans KR" panose="020B0200000000000000" pitchFamily="50" charset="-127"/>
+                </a:rPr>
+                <a:t>androidx</a:t>
+              </a:r>
+              <a:r>
+                <a:rPr lang="en-US" altLang="ko-KR" sz="1600" b="1" dirty="0">
+                  <a:latin typeface="Noto Sans KR" panose="020B0200000000000000" pitchFamily="50" charset="-127"/>
+                  <a:ea typeface="Noto Sans KR" panose="020B0200000000000000" pitchFamily="50" charset="-127"/>
+                </a:rPr>
+                <a:t>-adapter</a:t>
+              </a:r>
+              <a:endParaRPr lang="en-US" sz="1500" b="1" dirty="0">
+                <a:latin typeface="Noto Sans KR" panose="020B0200000000000000" pitchFamily="50" charset="-127"/>
+                <a:ea typeface="Noto Sans KR" panose="020B0200000000000000" pitchFamily="50" charset="-127"/>
+              </a:endParaRPr>
+            </a:p>
+          </p:txBody>
+        </p:sp>
+        <p:sp>
+          <p:nvSpPr>
+            <p:cNvPr id="35" name="Text 6"/>
+            <p:cNvSpPr/>
+            <p:nvPr/>
+          </p:nvSpPr>
+          <p:spPr>
+            <a:xfrm>
+              <a:off x="6915150" y="2841596"/>
+              <a:ext cx="3108093" cy="228600"/>
+            </a:xfrm>
+            <a:prstGeom prst="rect">
+              <a:avLst/>
+            </a:prstGeom>
+            <a:noFill/>
+            <a:ln/>
+          </p:spPr>
+          <p:txBody>
+            <a:bodyPr vert="horz" wrap="square" lIns="0" tIns="0" rIns="0" bIns="0" rtlCol="0" anchor="t"/>
+            <a:lstStyle/>
+            <a:p>
+              <a:pPr>
+                <a:lnSpc>
+                  <a:spcPts val="1800"/>
+                </a:lnSpc>
+              </a:pPr>
+              <a:r>
+                <a:rPr lang="ko-KR" altLang="en-US" sz="1200" dirty="0">
+                  <a:latin typeface="Noto Sans KR" panose="020B0200000000000000" pitchFamily="50" charset="-127"/>
+                  <a:ea typeface="Noto Sans KR" panose="020B0200000000000000" pitchFamily="50" charset="-127"/>
+                </a:rPr>
+                <a:t>최신 </a:t>
+              </a:r>
+              <a:r>
+                <a:rPr lang="en-US" altLang="ko-KR" sz="1200" dirty="0">
+                  <a:latin typeface="Noto Sans KR" panose="020B0200000000000000" pitchFamily="50" charset="-127"/>
+                  <a:ea typeface="Noto Sans KR" panose="020B0200000000000000" pitchFamily="50" charset="-127"/>
+                </a:rPr>
+                <a:t>Android </a:t>
+              </a:r>
+              <a:r>
+                <a:rPr lang="ko-KR" altLang="en-US" sz="1200" dirty="0">
+                  <a:latin typeface="Noto Sans KR" panose="020B0200000000000000" pitchFamily="50" charset="-127"/>
+                  <a:ea typeface="Noto Sans KR" panose="020B0200000000000000" pitchFamily="50" charset="-127"/>
+                </a:rPr>
+                <a:t>개발 환경</a:t>
+              </a:r>
+              <a:r>
+                <a:rPr lang="en-US" altLang="ko-KR" sz="1200" dirty="0">
+                  <a:latin typeface="Noto Sans KR" panose="020B0200000000000000" pitchFamily="50" charset="-127"/>
+                  <a:ea typeface="Noto Sans KR" panose="020B0200000000000000" pitchFamily="50" charset="-127"/>
+                </a:rPr>
+                <a:t>(</a:t>
+              </a:r>
+              <a:r>
+                <a:rPr lang="en-US" altLang="ko-KR" sz="1200" dirty="0" err="1">
+                  <a:latin typeface="Noto Sans KR" panose="020B0200000000000000" pitchFamily="50" charset="-127"/>
+                  <a:ea typeface="Noto Sans KR" panose="020B0200000000000000" pitchFamily="50" charset="-127"/>
+                </a:rPr>
+                <a:t>AndroidX</a:t>
+              </a:r>
+              <a:r>
+                <a:rPr lang="en-US" altLang="ko-KR" sz="1200" dirty="0">
+                  <a:latin typeface="Noto Sans KR" panose="020B0200000000000000" pitchFamily="50" charset="-127"/>
+                  <a:ea typeface="Noto Sans KR" panose="020B0200000000000000" pitchFamily="50" charset="-127"/>
+                </a:rPr>
+                <a:t>) </a:t>
+              </a:r>
+              <a:r>
+                <a:rPr lang="ko-KR" altLang="en-US" sz="1200" b="1" dirty="0">
+                  <a:latin typeface="Noto Sans KR" panose="020B0200000000000000" pitchFamily="50" charset="-127"/>
+                  <a:ea typeface="Noto Sans KR" panose="020B0200000000000000" pitchFamily="50" charset="-127"/>
+                </a:rPr>
+                <a:t>호환성</a:t>
+              </a:r>
+              <a:r>
+                <a:rPr lang="ko-KR" altLang="en-US" sz="1200" dirty="0">
+                  <a:latin typeface="Noto Sans KR" panose="020B0200000000000000" pitchFamily="50" charset="-127"/>
+                  <a:ea typeface="Noto Sans KR" panose="020B0200000000000000" pitchFamily="50" charset="-127"/>
+                </a:rPr>
+                <a:t> 지원</a:t>
+              </a:r>
+              <a:endParaRPr lang="en-US" sz="1200" dirty="0">
+                <a:latin typeface="Noto Sans KR" panose="020B0200000000000000" pitchFamily="50" charset="-127"/>
+                <a:ea typeface="Noto Sans KR" panose="020B0200000000000000" pitchFamily="50" charset="-127"/>
+              </a:endParaRPr>
+            </a:p>
+          </p:txBody>
+        </p:sp>
+      </p:grpSp>
+      <p:grpSp>
+        <p:nvGrpSpPr>
+          <p:cNvPr id="9" name="그룹 8">
+            <a:extLst>
+              <a:ext uri="{FF2B5EF4-FFF2-40B4-BE49-F238E27FC236}">
+                <a16:creationId xmlns:a16="http://schemas.microsoft.com/office/drawing/2014/main" id="{CDCB4C81-7CAD-488A-BA61-525BC6E97BA3}"/>
+              </a:ext>
+            </a:extLst>
+          </p:cNvPr>
+          <p:cNvGrpSpPr/>
+          <p:nvPr/>
+        </p:nvGrpSpPr>
+        <p:grpSpPr>
+          <a:xfrm>
+            <a:off x="609600" y="3314700"/>
+            <a:ext cx="5410200" cy="762000"/>
+            <a:chOff x="609600" y="3314700"/>
+            <a:chExt cx="5410200" cy="762000"/>
+          </a:xfrm>
+        </p:grpSpPr>
+        <p:pic>
+          <p:nvPicPr>
+            <p:cNvPr id="17" name="Image 15" descr="preencoded.png"/>
+            <p:cNvPicPr>
+              <a:picLocks noChangeAspect="1"/>
+            </p:cNvPicPr>
+            <p:nvPr/>
+          </p:nvPicPr>
+          <p:blipFill>
+            <a:blip r:embed="rId9"/>
+            <a:stretch>
+              <a:fillRect/>
+            </a:stretch>
+          </p:blipFill>
+          <p:spPr>
+            <a:xfrm>
+              <a:off x="609600" y="3314700"/>
+              <a:ext cx="5410200" cy="762000"/>
+            </a:xfrm>
+            <a:prstGeom prst="rect">
+              <a:avLst/>
+            </a:prstGeom>
+          </p:spPr>
+        </p:pic>
+        <p:pic>
+          <p:nvPicPr>
+            <p:cNvPr id="18" name="Image 16" descr="preencoded.png"/>
+            <p:cNvPicPr>
+              <a:picLocks noChangeAspect="1"/>
+            </p:cNvPicPr>
+            <p:nvPr/>
+          </p:nvPicPr>
+          <p:blipFill>
+            <a:blip r:embed="rId8">
+              <a:duotone>
+                <a:prstClr val="black"/>
+                <a:schemeClr val="accent2">
+                  <a:tint val="45000"/>
+                  <a:satMod val="400000"/>
+                </a:schemeClr>
+              </a:duotone>
+            </a:blip>
+            <a:stretch>
+              <a:fillRect/>
+            </a:stretch>
+          </p:blipFill>
+          <p:spPr>
+            <a:xfrm>
+              <a:off x="723900" y="3429000"/>
+              <a:ext cx="476250" cy="476250"/>
+            </a:xfrm>
+            <a:prstGeom prst="rect">
+              <a:avLst/>
+            </a:prstGeom>
+          </p:spPr>
+        </p:pic>
+        <p:sp>
+          <p:nvSpPr>
+            <p:cNvPr id="38" name="Text 9"/>
+            <p:cNvSpPr/>
+            <p:nvPr/>
+          </p:nvSpPr>
+          <p:spPr>
+            <a:xfrm>
+              <a:off x="1352550" y="3429000"/>
+              <a:ext cx="3936921" cy="266700"/>
+            </a:xfrm>
+            <a:prstGeom prst="rect">
+              <a:avLst/>
+            </a:prstGeom>
+            <a:noFill/>
+            <a:ln/>
+          </p:spPr>
+          <p:txBody>
+            <a:bodyPr vert="horz" wrap="square" lIns="0" tIns="0" rIns="0" bIns="0" rtlCol="0" anchor="t"/>
+            <a:lstStyle/>
+            <a:p>
+              <a:pPr>
+                <a:lnSpc>
+                  <a:spcPts val="2100"/>
+                </a:lnSpc>
+              </a:pPr>
+              <a:r>
+                <a:rPr lang="en-US" altLang="ko-KR" sz="1600" b="1" dirty="0" err="1">
+                  <a:latin typeface="Noto Sans KR" panose="020B0200000000000000" pitchFamily="50" charset="-127"/>
+                  <a:ea typeface="Noto Sans KR" panose="020B0200000000000000" pitchFamily="50" charset="-127"/>
+                </a:rPr>
+                <a:t>cordova</a:t>
+              </a:r>
+              <a:r>
+                <a:rPr lang="en-US" altLang="ko-KR" sz="1600" b="1" dirty="0">
+                  <a:latin typeface="Noto Sans KR" panose="020B0200000000000000" pitchFamily="50" charset="-127"/>
+                  <a:ea typeface="Noto Sans KR" panose="020B0200000000000000" pitchFamily="50" charset="-127"/>
+                </a:rPr>
+                <a:t>-plugin-camera</a:t>
+              </a:r>
+              <a:endParaRPr lang="en-US" sz="1500" b="1" dirty="0">
+                <a:latin typeface="Noto Sans KR" panose="020B0200000000000000" pitchFamily="50" charset="-127"/>
+                <a:ea typeface="Noto Sans KR" panose="020B0200000000000000" pitchFamily="50" charset="-127"/>
+              </a:endParaRPr>
+            </a:p>
+          </p:txBody>
+        </p:sp>
+        <p:sp>
+          <p:nvSpPr>
+            <p:cNvPr id="39" name="Text 10"/>
+            <p:cNvSpPr/>
+            <p:nvPr/>
+          </p:nvSpPr>
+          <p:spPr>
+            <a:xfrm>
+              <a:off x="1352550" y="3733800"/>
+              <a:ext cx="3280767" cy="228600"/>
+            </a:xfrm>
+            <a:prstGeom prst="rect">
+              <a:avLst/>
+            </a:prstGeom>
+            <a:noFill/>
+            <a:ln/>
+          </p:spPr>
+          <p:txBody>
+            <a:bodyPr vert="horz" wrap="square" lIns="0" tIns="0" rIns="0" bIns="0" rtlCol="0" anchor="t"/>
+            <a:lstStyle/>
+            <a:p>
+              <a:pPr>
+                <a:lnSpc>
+                  <a:spcPts val="1800"/>
+                </a:lnSpc>
+              </a:pPr>
+              <a:r>
+                <a:rPr lang="ko-KR" altLang="en-US" sz="1200" b="1" dirty="0">
+                  <a:latin typeface="Noto Sans KR" panose="020B0200000000000000" pitchFamily="50" charset="-127"/>
+                  <a:ea typeface="Noto Sans KR" panose="020B0200000000000000" pitchFamily="50" charset="-127"/>
+                </a:rPr>
+                <a:t>카메라</a:t>
+              </a:r>
+              <a:r>
+                <a:rPr lang="ko-KR" altLang="en-US" sz="1200" dirty="0">
+                  <a:latin typeface="Noto Sans KR" panose="020B0200000000000000" pitchFamily="50" charset="-127"/>
+                  <a:ea typeface="Noto Sans KR" panose="020B0200000000000000" pitchFamily="50" charset="-127"/>
+                </a:rPr>
+                <a:t> 사용 및 사진 갤러리 접근</a:t>
+              </a:r>
+              <a:endParaRPr lang="en-US" sz="1200" dirty="0">
+                <a:latin typeface="Noto Sans KR" panose="020B0200000000000000" pitchFamily="50" charset="-127"/>
+                <a:ea typeface="Noto Sans KR" panose="020B0200000000000000" pitchFamily="50" charset="-127"/>
+              </a:endParaRPr>
+            </a:p>
+          </p:txBody>
+        </p:sp>
+      </p:grpSp>
+      <p:grpSp>
+        <p:nvGrpSpPr>
+          <p:cNvPr id="7" name="그룹 6">
+            <a:extLst>
+              <a:ext uri="{FF2B5EF4-FFF2-40B4-BE49-F238E27FC236}">
+                <a16:creationId xmlns:a16="http://schemas.microsoft.com/office/drawing/2014/main" id="{2BE6254B-99D4-4AE8-9D5F-33EF480C5C5C}"/>
+              </a:ext>
+            </a:extLst>
+          </p:cNvPr>
+          <p:cNvGrpSpPr/>
+          <p:nvPr/>
+        </p:nvGrpSpPr>
+        <p:grpSpPr>
+          <a:xfrm>
+            <a:off x="609600" y="1481667"/>
+            <a:ext cx="5410200" cy="762000"/>
+            <a:chOff x="609600" y="1481667"/>
+            <a:chExt cx="5410200" cy="762000"/>
+          </a:xfrm>
+        </p:grpSpPr>
+        <p:pic>
+          <p:nvPicPr>
+            <p:cNvPr id="20" name="Image 18" descr="preencoded.png"/>
+            <p:cNvPicPr>
+              <a:picLocks noChangeAspect="1"/>
+            </p:cNvPicPr>
+            <p:nvPr/>
+          </p:nvPicPr>
+          <p:blipFill>
+            <a:blip r:embed="rId9"/>
+            <a:stretch>
+              <a:fillRect/>
+            </a:stretch>
+          </p:blipFill>
+          <p:spPr>
+            <a:xfrm>
+              <a:off x="609600" y="1481667"/>
+              <a:ext cx="5410200" cy="762000"/>
+            </a:xfrm>
+            <a:prstGeom prst="rect">
+              <a:avLst/>
+            </a:prstGeom>
+          </p:spPr>
+        </p:pic>
+        <p:pic>
+          <p:nvPicPr>
+            <p:cNvPr id="21" name="Image 19" descr="preencoded.png"/>
+            <p:cNvPicPr>
+              <a:picLocks noChangeAspect="1"/>
+            </p:cNvPicPr>
+            <p:nvPr/>
+          </p:nvPicPr>
+          <p:blipFill>
+            <a:blip r:embed="rId10">
+              <a:duotone>
+                <a:prstClr val="black"/>
+                <a:schemeClr val="accent2">
+                  <a:tint val="45000"/>
+                  <a:satMod val="400000"/>
+                </a:schemeClr>
+              </a:duotone>
+            </a:blip>
+            <a:stretch>
+              <a:fillRect/>
+            </a:stretch>
+          </p:blipFill>
+          <p:spPr>
+            <a:xfrm>
+              <a:off x="723900" y="1595967"/>
+              <a:ext cx="476250" cy="476250"/>
+            </a:xfrm>
+            <a:prstGeom prst="rect">
+              <a:avLst/>
+            </a:prstGeom>
+          </p:spPr>
+        </p:pic>
+        <p:sp>
+          <p:nvSpPr>
+            <p:cNvPr id="40" name="Text 11"/>
+            <p:cNvSpPr/>
+            <p:nvPr/>
+          </p:nvSpPr>
+          <p:spPr>
+            <a:xfrm>
+              <a:off x="1352550" y="1595967"/>
+              <a:ext cx="2794278" cy="266700"/>
+            </a:xfrm>
+            <a:prstGeom prst="rect">
+              <a:avLst/>
+            </a:prstGeom>
+            <a:noFill/>
+            <a:ln/>
+          </p:spPr>
+          <p:txBody>
+            <a:bodyPr vert="horz" wrap="square" lIns="0" tIns="0" rIns="0" bIns="0" rtlCol="0" anchor="t"/>
+            <a:lstStyle/>
+            <a:p>
+              <a:pPr marL="0" indent="0">
+                <a:lnSpc>
+                  <a:spcPts val="2100"/>
+                </a:lnSpc>
+                <a:buNone/>
+              </a:pPr>
+              <a:r>
+                <a:rPr lang="en-US" sz="1600" b="1" dirty="0">
+                  <a:latin typeface="Noto Sans KR" panose="020B0200000000000000" pitchFamily="50" charset="-127"/>
+                  <a:ea typeface="Noto Sans KR" panose="020B0200000000000000" pitchFamily="50" charset="-127"/>
+                  <a:cs typeface="Nanum Square" pitchFamily="34" charset="-120"/>
+                </a:rPr>
+                <a:t>cordova-plugin-file</a:t>
+              </a:r>
+              <a:endParaRPr lang="en-US" sz="1500" dirty="0">
+                <a:latin typeface="Noto Sans KR" panose="020B0200000000000000" pitchFamily="50" charset="-127"/>
+                <a:ea typeface="Noto Sans KR" panose="020B0200000000000000" pitchFamily="50" charset="-127"/>
+              </a:endParaRPr>
+            </a:p>
+          </p:txBody>
+        </p:sp>
+        <p:sp>
+          <p:nvSpPr>
+            <p:cNvPr id="41" name="Text 12"/>
+            <p:cNvSpPr/>
+            <p:nvPr/>
+          </p:nvSpPr>
+          <p:spPr>
+            <a:xfrm>
+              <a:off x="1352550" y="1900767"/>
+              <a:ext cx="2794278" cy="228600"/>
+            </a:xfrm>
+            <a:prstGeom prst="rect">
+              <a:avLst/>
+            </a:prstGeom>
+            <a:noFill/>
+            <a:ln/>
+          </p:spPr>
+          <p:txBody>
+            <a:bodyPr vert="horz" wrap="square" lIns="0" tIns="0" rIns="0" bIns="0" rtlCol="0" anchor="t"/>
+            <a:lstStyle/>
+            <a:p>
+              <a:pPr marL="0" indent="0">
+                <a:lnSpc>
+                  <a:spcPts val="1800"/>
+                </a:lnSpc>
+                <a:buNone/>
+              </a:pPr>
+              <a:r>
+                <a:rPr lang="en-US" sz="1200" dirty="0">
+                  <a:latin typeface="Noto Sans KR" panose="020B0200000000000000" pitchFamily="50" charset="-127"/>
+                  <a:ea typeface="Noto Sans KR" panose="020B0200000000000000" pitchFamily="50" charset="-127"/>
+                  <a:cs typeface="Nanum Square" pitchFamily="34" charset="-120"/>
+                </a:rPr>
+                <a:t>파일 시스템 접근 및 조작 API 제공</a:t>
+              </a:r>
+              <a:endParaRPr lang="en-US" sz="1200" dirty="0">
+                <a:latin typeface="Noto Sans KR" panose="020B0200000000000000" pitchFamily="50" charset="-127"/>
+                <a:ea typeface="Noto Sans KR" panose="020B0200000000000000" pitchFamily="50" charset="-127"/>
+              </a:endParaRPr>
+            </a:p>
+          </p:txBody>
+        </p:sp>
+      </p:grpSp>
+      <p:grpSp>
+        <p:nvGrpSpPr>
+          <p:cNvPr id="10" name="그룹 9">
+            <a:extLst>
+              <a:ext uri="{FF2B5EF4-FFF2-40B4-BE49-F238E27FC236}">
+                <a16:creationId xmlns:a16="http://schemas.microsoft.com/office/drawing/2014/main" id="{66AF2A30-4C18-46A4-B413-E1E6685985D0}"/>
+              </a:ext>
+            </a:extLst>
+          </p:cNvPr>
+          <p:cNvGrpSpPr/>
+          <p:nvPr/>
+        </p:nvGrpSpPr>
+        <p:grpSpPr>
+          <a:xfrm>
+            <a:off x="6172200" y="4271433"/>
+            <a:ext cx="5410200" cy="762000"/>
+            <a:chOff x="609600" y="4229100"/>
+            <a:chExt cx="5410200" cy="762000"/>
+          </a:xfrm>
+        </p:grpSpPr>
+        <p:pic>
+          <p:nvPicPr>
+            <p:cNvPr id="23" name="Image 21" descr="preencoded.png"/>
+            <p:cNvPicPr>
+              <a:picLocks noChangeAspect="1"/>
+            </p:cNvPicPr>
+            <p:nvPr/>
+          </p:nvPicPr>
+          <p:blipFill>
+            <a:blip r:embed="rId11"/>
+            <a:stretch>
+              <a:fillRect/>
+            </a:stretch>
+          </p:blipFill>
+          <p:spPr>
+            <a:xfrm>
+              <a:off x="609600" y="4229100"/>
+              <a:ext cx="5410200" cy="762000"/>
+            </a:xfrm>
+            <a:prstGeom prst="rect">
+              <a:avLst/>
+            </a:prstGeom>
+          </p:spPr>
+        </p:pic>
+        <p:pic>
+          <p:nvPicPr>
+            <p:cNvPr id="24" name="Image 22" descr="preencoded.png"/>
+            <p:cNvPicPr>
+              <a:picLocks noChangeAspect="1"/>
+            </p:cNvPicPr>
+            <p:nvPr/>
+          </p:nvPicPr>
+          <p:blipFill>
+            <a:blip r:embed="rId8">
+              <a:duotone>
+                <a:prstClr val="black"/>
+                <a:schemeClr val="accent1">
+                  <a:tint val="45000"/>
+                  <a:satMod val="400000"/>
+                </a:schemeClr>
+              </a:duotone>
+            </a:blip>
+            <a:stretch>
+              <a:fillRect/>
+            </a:stretch>
+          </p:blipFill>
+          <p:spPr>
+            <a:xfrm>
+              <a:off x="723900" y="4343400"/>
+              <a:ext cx="476250" cy="476250"/>
+            </a:xfrm>
+            <a:prstGeom prst="rect">
+              <a:avLst/>
+            </a:prstGeom>
+          </p:spPr>
+        </p:pic>
+        <p:sp>
+          <p:nvSpPr>
+            <p:cNvPr id="42" name="Text 13"/>
+            <p:cNvSpPr/>
+            <p:nvPr/>
+          </p:nvSpPr>
+          <p:spPr>
+            <a:xfrm>
+              <a:off x="1352550" y="4343400"/>
+              <a:ext cx="4348579" cy="266700"/>
+            </a:xfrm>
+            <a:prstGeom prst="rect">
+              <a:avLst/>
+            </a:prstGeom>
+            <a:noFill/>
+            <a:ln/>
+          </p:spPr>
+          <p:txBody>
+            <a:bodyPr vert="horz" wrap="square" lIns="0" tIns="0" rIns="0" bIns="0" rtlCol="0" anchor="t"/>
+            <a:lstStyle/>
+            <a:p>
+              <a:pPr>
+                <a:lnSpc>
+                  <a:spcPts val="2100"/>
+                </a:lnSpc>
+              </a:pPr>
+              <a:r>
+                <a:rPr lang="en-US" altLang="ko-KR" sz="1600" b="1" dirty="0" err="1">
+                  <a:latin typeface="Noto Sans KR" panose="020B0200000000000000" pitchFamily="50" charset="-127"/>
+                  <a:ea typeface="Noto Sans KR" panose="020B0200000000000000" pitchFamily="50" charset="-127"/>
+                </a:rPr>
+                <a:t>cordova</a:t>
+              </a:r>
+              <a:r>
+                <a:rPr lang="en-US" altLang="ko-KR" sz="1600" b="1" dirty="0">
+                  <a:latin typeface="Noto Sans KR" panose="020B0200000000000000" pitchFamily="50" charset="-127"/>
+                  <a:ea typeface="Noto Sans KR" panose="020B0200000000000000" pitchFamily="50" charset="-127"/>
+                </a:rPr>
+                <a:t>-plugin-ionic-</a:t>
+              </a:r>
+              <a:r>
+                <a:rPr lang="en-US" altLang="ko-KR" sz="1600" b="1" dirty="0" err="1">
+                  <a:latin typeface="Noto Sans KR" panose="020B0200000000000000" pitchFamily="50" charset="-127"/>
+                  <a:ea typeface="Noto Sans KR" panose="020B0200000000000000" pitchFamily="50" charset="-127"/>
+                </a:rPr>
+                <a:t>webview</a:t>
+              </a:r>
+              <a:endParaRPr lang="en-US" sz="1500" b="1" dirty="0">
+                <a:latin typeface="Noto Sans KR" panose="020B0200000000000000" pitchFamily="50" charset="-127"/>
+                <a:ea typeface="Noto Sans KR" panose="020B0200000000000000" pitchFamily="50" charset="-127"/>
+              </a:endParaRPr>
+            </a:p>
+          </p:txBody>
+        </p:sp>
+        <p:sp>
+          <p:nvSpPr>
+            <p:cNvPr id="43" name="Text 14"/>
+            <p:cNvSpPr/>
+            <p:nvPr/>
+          </p:nvSpPr>
+          <p:spPr>
+            <a:xfrm>
+              <a:off x="1352550" y="4648200"/>
+              <a:ext cx="4348579" cy="228600"/>
+            </a:xfrm>
+            <a:prstGeom prst="rect">
+              <a:avLst/>
+            </a:prstGeom>
+            <a:noFill/>
+            <a:ln/>
+          </p:spPr>
+          <p:txBody>
+            <a:bodyPr vert="horz" wrap="square" lIns="0" tIns="0" rIns="0" bIns="0" rtlCol="0" anchor="t"/>
+            <a:lstStyle/>
+            <a:p>
+              <a:pPr>
+                <a:lnSpc>
+                  <a:spcPts val="1800"/>
+                </a:lnSpc>
+              </a:pPr>
+              <a:r>
+                <a:rPr lang="en-US" altLang="ko-KR" sz="1200" dirty="0">
+                  <a:latin typeface="Noto Sans KR" panose="020B0200000000000000" pitchFamily="50" charset="-127"/>
+                  <a:ea typeface="Noto Sans KR" panose="020B0200000000000000" pitchFamily="50" charset="-127"/>
+                </a:rPr>
+                <a:t>Ionic </a:t>
+              </a:r>
+              <a:r>
+                <a:rPr lang="ko-KR" altLang="en-US" sz="1200" dirty="0">
+                  <a:latin typeface="Noto Sans KR" panose="020B0200000000000000" pitchFamily="50" charset="-127"/>
+                  <a:ea typeface="Noto Sans KR" panose="020B0200000000000000" pitchFamily="50" charset="-127"/>
+                </a:rPr>
+                <a:t>앱의 </a:t>
+              </a:r>
+              <a:r>
+                <a:rPr lang="ko-KR" altLang="en-US" sz="1200" b="1" dirty="0">
+                  <a:latin typeface="Noto Sans KR" panose="020B0200000000000000" pitchFamily="50" charset="-127"/>
+                  <a:ea typeface="Noto Sans KR" panose="020B0200000000000000" pitchFamily="50" charset="-127"/>
+                </a:rPr>
+                <a:t>웹 뷰 성능</a:t>
+              </a:r>
+              <a:r>
+                <a:rPr lang="ko-KR" altLang="en-US" sz="1200" dirty="0">
+                  <a:latin typeface="Noto Sans KR" panose="020B0200000000000000" pitchFamily="50" charset="-127"/>
+                  <a:ea typeface="Noto Sans KR" panose="020B0200000000000000" pitchFamily="50" charset="-127"/>
+                </a:rPr>
+                <a:t> 최적화</a:t>
+              </a:r>
+              <a:endParaRPr lang="en-US" sz="1200" dirty="0">
+                <a:latin typeface="Noto Sans KR" panose="020B0200000000000000" pitchFamily="50" charset="-127"/>
+                <a:ea typeface="Noto Sans KR" panose="020B0200000000000000" pitchFamily="50" charset="-127"/>
+              </a:endParaRPr>
+            </a:p>
+          </p:txBody>
+        </p:sp>
+      </p:grpSp>
+      <p:grpSp>
+        <p:nvGrpSpPr>
+          <p:cNvPr id="15" name="그룹 14">
+            <a:extLst>
+              <a:ext uri="{FF2B5EF4-FFF2-40B4-BE49-F238E27FC236}">
+                <a16:creationId xmlns:a16="http://schemas.microsoft.com/office/drawing/2014/main" id="{59D1D231-FB58-407D-90AE-53D2A0F2060A}"/>
+              </a:ext>
+            </a:extLst>
+          </p:cNvPr>
+          <p:cNvGrpSpPr/>
+          <p:nvPr/>
+        </p:nvGrpSpPr>
+        <p:grpSpPr>
+          <a:xfrm>
+            <a:off x="6172200" y="1485903"/>
+            <a:ext cx="6206490" cy="876300"/>
+            <a:chOff x="6172200" y="3314700"/>
+            <a:chExt cx="6206490" cy="876300"/>
+          </a:xfrm>
+        </p:grpSpPr>
+        <p:pic>
+          <p:nvPicPr>
+            <p:cNvPr id="26" name="Image 24" descr="preencoded.png"/>
+            <p:cNvPicPr>
+              <a:picLocks noChangeAspect="1"/>
+            </p:cNvPicPr>
+            <p:nvPr/>
+          </p:nvPicPr>
+          <p:blipFill>
+            <a:blip r:embed="rId11"/>
+            <a:stretch>
+              <a:fillRect/>
+            </a:stretch>
+          </p:blipFill>
+          <p:spPr>
+            <a:xfrm>
+              <a:off x="6172200" y="3314700"/>
+              <a:ext cx="5410200" cy="766233"/>
+            </a:xfrm>
+            <a:prstGeom prst="rect">
+              <a:avLst/>
+            </a:prstGeom>
+          </p:spPr>
+        </p:pic>
+        <p:pic>
+          <p:nvPicPr>
+            <p:cNvPr id="27" name="Image 25" descr="preencoded.png"/>
+            <p:cNvPicPr>
+              <a:picLocks noChangeAspect="1"/>
+            </p:cNvPicPr>
+            <p:nvPr/>
+          </p:nvPicPr>
+          <p:blipFill>
+            <a:blip r:embed="rId10">
+              <a:duotone>
+                <a:prstClr val="black"/>
+                <a:schemeClr val="accent1">
+                  <a:tint val="45000"/>
+                  <a:satMod val="400000"/>
+                </a:schemeClr>
+              </a:duotone>
+            </a:blip>
+            <a:stretch>
+              <a:fillRect/>
+            </a:stretch>
+          </p:blipFill>
+          <p:spPr>
+            <a:xfrm>
+              <a:off x="6286500" y="3429000"/>
+              <a:ext cx="476250" cy="476250"/>
+            </a:xfrm>
+            <a:prstGeom prst="rect">
+              <a:avLst/>
+            </a:prstGeom>
+          </p:spPr>
+        </p:pic>
+        <p:sp>
+          <p:nvSpPr>
+            <p:cNvPr id="44" name="Text 15"/>
+            <p:cNvSpPr/>
+            <p:nvPr/>
+          </p:nvSpPr>
+          <p:spPr>
+            <a:xfrm>
+              <a:off x="6915150" y="3429000"/>
+              <a:ext cx="5463540" cy="266700"/>
+            </a:xfrm>
+            <a:prstGeom prst="rect">
+              <a:avLst/>
+            </a:prstGeom>
+            <a:noFill/>
+            <a:ln/>
+          </p:spPr>
+          <p:txBody>
+            <a:bodyPr vert="horz" wrap="square" lIns="0" tIns="0" rIns="0" bIns="0" rtlCol="0" anchor="t"/>
+            <a:lstStyle/>
+            <a:p>
+              <a:pPr marL="0" indent="0">
+                <a:lnSpc>
+                  <a:spcPts val="2100"/>
+                </a:lnSpc>
+                <a:buNone/>
+              </a:pPr>
+              <a:r>
+                <a:rPr lang="en-US" sz="1600" b="1" dirty="0">
+                  <a:latin typeface="Noto Sans KR" panose="020B0200000000000000" pitchFamily="50" charset="-127"/>
+                  <a:ea typeface="Noto Sans KR" panose="020B0200000000000000" pitchFamily="50" charset="-127"/>
+                  <a:cs typeface="Nanum Square" pitchFamily="34" charset="-120"/>
+                </a:rPr>
+                <a:t>cordova-plugin-whitelist</a:t>
+              </a:r>
+              <a:endParaRPr lang="en-US" sz="1500" dirty="0">
+                <a:latin typeface="Noto Sans KR" panose="020B0200000000000000" pitchFamily="50" charset="-127"/>
+                <a:ea typeface="Noto Sans KR" panose="020B0200000000000000" pitchFamily="50" charset="-127"/>
+              </a:endParaRPr>
+            </a:p>
+          </p:txBody>
+        </p:sp>
+        <p:sp>
+          <p:nvSpPr>
+            <p:cNvPr id="45" name="Text 16"/>
+            <p:cNvSpPr/>
+            <p:nvPr/>
+          </p:nvSpPr>
+          <p:spPr>
+            <a:xfrm>
+              <a:off x="6915150" y="3733800"/>
+              <a:ext cx="4552950" cy="457200"/>
+            </a:xfrm>
+            <a:prstGeom prst="rect">
+              <a:avLst/>
+            </a:prstGeom>
+            <a:noFill/>
+            <a:ln/>
+          </p:spPr>
+          <p:txBody>
+            <a:bodyPr vert="horz" wrap="square" lIns="0" tIns="0" rIns="0" bIns="0" rtlCol="0" anchor="t"/>
+            <a:lstStyle/>
+            <a:p>
+              <a:pPr marL="0" indent="0">
+                <a:lnSpc>
+                  <a:spcPts val="1800"/>
+                </a:lnSpc>
+                <a:buNone/>
+              </a:pPr>
+              <a:r>
+                <a:rPr lang="en-US" sz="1200" dirty="0">
+                  <a:latin typeface="Noto Sans KR" panose="020B0200000000000000" pitchFamily="50" charset="-127"/>
+                  <a:ea typeface="Noto Sans KR" panose="020B0200000000000000" pitchFamily="50" charset="-127"/>
+                  <a:cs typeface="Nanum Square" pitchFamily="34" charset="-120"/>
+                </a:rPr>
+                <a:t>외부 URL 접속 정책 제어 (네비게이션, AJAX 요청 등 허용 대상 지정)</a:t>
+              </a:r>
+              <a:endParaRPr lang="en-US" sz="1200" dirty="0">
+                <a:latin typeface="Noto Sans KR" panose="020B0200000000000000" pitchFamily="50" charset="-127"/>
+                <a:ea typeface="Noto Sans KR" panose="020B0200000000000000" pitchFamily="50" charset="-127"/>
+              </a:endParaRPr>
+            </a:p>
+          </p:txBody>
+        </p:sp>
+      </p:grpSp>
       <p:sp>
         <p:nvSpPr>
-          <p:cNvPr id="30" name="Text 1"/>
+          <p:cNvPr id="46" name="Text 17"/>
           <p:cNvSpPr/>
           <p:nvPr/>
         </p:nvSpPr>
         <p:spPr>
           <a:xfrm>
-            <a:off x="6915150" y="1600200"/>
-            <a:ext cx="4958298" cy="266700"/>
-          </a:xfrm>
-          <a:prstGeom prst="rect">
-            <a:avLst/>
-          </a:prstGeom>
-          <a:noFill/>
-          <a:ln/>
-        </p:spPr>
-        <p:txBody>
-          <a:bodyPr vert="horz" wrap="square" lIns="0" tIns="0" rIns="0" bIns="0" rtlCol="0" anchor="t"/>
-          <a:lstStyle/>
-          <a:p>
-            <a:pPr>
-              <a:lnSpc>
-                <a:spcPts val="2100"/>
-              </a:lnSpc>
-            </a:pPr>
-            <a:r>
-              <a:rPr lang="en-US" altLang="ko-KR" sz="1600" b="1" dirty="0" err="1">
-                <a:latin typeface="Noto Sans KR" panose="020B0200000000000000" pitchFamily="50" charset="-127"/>
-                <a:ea typeface="Noto Sans KR" panose="020B0200000000000000" pitchFamily="50" charset="-127"/>
-              </a:rPr>
-              <a:t>cordova</a:t>
-            </a:r>
-            <a:r>
-              <a:rPr lang="en-US" altLang="ko-KR" sz="1600" b="1" dirty="0">
-                <a:latin typeface="Noto Sans KR" panose="020B0200000000000000" pitchFamily="50" charset="-127"/>
-                <a:ea typeface="Noto Sans KR" panose="020B0200000000000000" pitchFamily="50" charset="-127"/>
-              </a:rPr>
-              <a:t>-plugin-android-permissions</a:t>
-            </a:r>
-            <a:endParaRPr lang="en-US" sz="1500" b="1" dirty="0">
-              <a:latin typeface="Noto Sans KR" panose="020B0200000000000000" pitchFamily="50" charset="-127"/>
-              <a:ea typeface="Noto Sans KR" panose="020B0200000000000000" pitchFamily="50" charset="-127"/>
-            </a:endParaRPr>
-          </a:p>
-        </p:txBody>
-      </p:sp>
-      <p:sp>
-        <p:nvSpPr>
-          <p:cNvPr id="31" name="Text 2"/>
-          <p:cNvSpPr/>
-          <p:nvPr/>
-        </p:nvSpPr>
-        <p:spPr>
-          <a:xfrm>
-            <a:off x="6915150" y="1905000"/>
-            <a:ext cx="4958298" cy="228600"/>
-          </a:xfrm>
-          <a:prstGeom prst="rect">
-            <a:avLst/>
-          </a:prstGeom>
-          <a:noFill/>
-          <a:ln/>
-        </p:spPr>
-        <p:txBody>
-          <a:bodyPr vert="horz" wrap="square" lIns="0" tIns="0" rIns="0" bIns="0" rtlCol="0" anchor="t"/>
-          <a:lstStyle/>
-          <a:p>
-            <a:pPr>
-              <a:lnSpc>
-                <a:spcPts val="1800"/>
-              </a:lnSpc>
-            </a:pPr>
-            <a:r>
-              <a:rPr lang="en-US" altLang="ko-KR" sz="1200" dirty="0">
-                <a:latin typeface="Noto Sans KR" panose="020B0200000000000000" pitchFamily="50" charset="-127"/>
-                <a:ea typeface="Noto Sans KR" panose="020B0200000000000000" pitchFamily="50" charset="-127"/>
-              </a:rPr>
-              <a:t>Android </a:t>
-            </a:r>
-            <a:r>
-              <a:rPr lang="ko-KR" altLang="en-US" sz="1200" b="1" dirty="0">
-                <a:latin typeface="Noto Sans KR" panose="020B0200000000000000" pitchFamily="50" charset="-127"/>
-                <a:ea typeface="Noto Sans KR" panose="020B0200000000000000" pitchFamily="50" charset="-127"/>
-              </a:rPr>
-              <a:t>런타임 권한</a:t>
-            </a:r>
-            <a:r>
-              <a:rPr lang="ko-KR" altLang="en-US" sz="1200" dirty="0">
-                <a:latin typeface="Noto Sans KR" panose="020B0200000000000000" pitchFamily="50" charset="-127"/>
-                <a:ea typeface="Noto Sans KR" panose="020B0200000000000000" pitchFamily="50" charset="-127"/>
-              </a:rPr>
-              <a:t> 요청 및 관리</a:t>
-            </a:r>
-            <a:endParaRPr lang="en-US" sz="1200" dirty="0">
-              <a:latin typeface="Noto Sans KR" panose="020B0200000000000000" pitchFamily="50" charset="-127"/>
-              <a:ea typeface="Noto Sans KR" panose="020B0200000000000000" pitchFamily="50" charset="-127"/>
-            </a:endParaRPr>
-          </a:p>
-        </p:txBody>
-      </p:sp>
-      <p:pic>
-        <p:nvPicPr>
-          <p:cNvPr id="11" name="Image 9" descr="preencoded.png"/>
-          <p:cNvPicPr>
-            <a:picLocks noChangeAspect="1"/>
-          </p:cNvPicPr>
-          <p:nvPr/>
-        </p:nvPicPr>
-        <p:blipFill>
-          <a:blip r:embed="rId6"/>
-          <a:stretch>
-            <a:fillRect/>
-          </a:stretch>
-        </p:blipFill>
-        <p:spPr>
-          <a:xfrm>
-            <a:off x="6172200" y="2400300"/>
-            <a:ext cx="5410200" cy="762000"/>
-          </a:xfrm>
-          <a:prstGeom prst="rect">
-            <a:avLst/>
-          </a:prstGeom>
-        </p:spPr>
-      </p:pic>
-      <p:pic>
-        <p:nvPicPr>
-          <p:cNvPr id="12" name="Image 10" descr="preencoded.png"/>
-          <p:cNvPicPr>
-            <a:picLocks noChangeAspect="1"/>
-          </p:cNvPicPr>
-          <p:nvPr/>
-        </p:nvPicPr>
-        <p:blipFill>
-          <a:blip r:embed="rId8">
-            <a:duotone>
-              <a:prstClr val="black"/>
-              <a:schemeClr val="accent1">
-                <a:tint val="45000"/>
-                <a:satMod val="400000"/>
-              </a:schemeClr>
-            </a:duotone>
-          </a:blip>
-          <a:stretch>
-            <a:fillRect/>
-          </a:stretch>
-        </p:blipFill>
-        <p:spPr>
-          <a:xfrm>
-            <a:off x="6286500" y="2514600"/>
-            <a:ext cx="476250" cy="476250"/>
-          </a:xfrm>
-          <a:prstGeom prst="rect">
-            <a:avLst/>
-          </a:prstGeom>
-        </p:spPr>
-      </p:pic>
-      <p:sp>
-        <p:nvSpPr>
-          <p:cNvPr id="34" name="Text 5"/>
-          <p:cNvSpPr/>
-          <p:nvPr/>
-        </p:nvSpPr>
-        <p:spPr>
-          <a:xfrm>
-            <a:off x="6915150" y="2514600"/>
-            <a:ext cx="3404008" cy="266700"/>
-          </a:xfrm>
-          <a:prstGeom prst="rect">
-            <a:avLst/>
-          </a:prstGeom>
-          <a:noFill/>
-          <a:ln/>
-        </p:spPr>
-        <p:txBody>
-          <a:bodyPr vert="horz" wrap="square" lIns="0" tIns="0" rIns="0" bIns="0" rtlCol="0" anchor="t"/>
-          <a:lstStyle/>
-          <a:p>
-            <a:pPr>
-              <a:lnSpc>
-                <a:spcPts val="2100"/>
-              </a:lnSpc>
-            </a:pPr>
-            <a:r>
-              <a:rPr lang="en-US" altLang="ko-KR" sz="1600" b="1" dirty="0" err="1">
-                <a:latin typeface="Noto Sans KR" panose="020B0200000000000000" pitchFamily="50" charset="-127"/>
-                <a:ea typeface="Noto Sans KR" panose="020B0200000000000000" pitchFamily="50" charset="-127"/>
-              </a:rPr>
-              <a:t>cordova</a:t>
-            </a:r>
-            <a:r>
-              <a:rPr lang="en-US" altLang="ko-KR" sz="1600" b="1" dirty="0">
-                <a:latin typeface="Noto Sans KR" panose="020B0200000000000000" pitchFamily="50" charset="-127"/>
-                <a:ea typeface="Noto Sans KR" panose="020B0200000000000000" pitchFamily="50" charset="-127"/>
-              </a:rPr>
-              <a:t>-plugin-</a:t>
-            </a:r>
-            <a:r>
-              <a:rPr lang="en-US" altLang="ko-KR" sz="1600" b="1" dirty="0" err="1">
-                <a:latin typeface="Noto Sans KR" panose="020B0200000000000000" pitchFamily="50" charset="-127"/>
-                <a:ea typeface="Noto Sans KR" panose="020B0200000000000000" pitchFamily="50" charset="-127"/>
-              </a:rPr>
-              <a:t>androidx</a:t>
-            </a:r>
-            <a:r>
-              <a:rPr lang="en-US" altLang="ko-KR" sz="1600" b="1" dirty="0">
-                <a:latin typeface="Noto Sans KR" panose="020B0200000000000000" pitchFamily="50" charset="-127"/>
-                <a:ea typeface="Noto Sans KR" panose="020B0200000000000000" pitchFamily="50" charset="-127"/>
-              </a:rPr>
-              <a:t>-adapter</a:t>
-            </a:r>
-            <a:endParaRPr lang="en-US" sz="1500" b="1" dirty="0">
-              <a:latin typeface="Noto Sans KR" panose="020B0200000000000000" pitchFamily="50" charset="-127"/>
-              <a:ea typeface="Noto Sans KR" panose="020B0200000000000000" pitchFamily="50" charset="-127"/>
-            </a:endParaRPr>
-          </a:p>
-        </p:txBody>
-      </p:sp>
-      <p:sp>
-        <p:nvSpPr>
-          <p:cNvPr id="35" name="Text 6"/>
-          <p:cNvSpPr/>
-          <p:nvPr/>
-        </p:nvSpPr>
-        <p:spPr>
-          <a:xfrm>
-            <a:off x="6915150" y="2841596"/>
-            <a:ext cx="3108093" cy="228600"/>
-          </a:xfrm>
-          <a:prstGeom prst="rect">
-            <a:avLst/>
-          </a:prstGeom>
-          <a:noFill/>
-          <a:ln/>
-        </p:spPr>
-        <p:txBody>
-          <a:bodyPr vert="horz" wrap="square" lIns="0" tIns="0" rIns="0" bIns="0" rtlCol="0" anchor="t"/>
-          <a:lstStyle/>
-          <a:p>
-            <a:pPr>
-              <a:lnSpc>
-                <a:spcPts val="1800"/>
-              </a:lnSpc>
-            </a:pPr>
-            <a:r>
-              <a:rPr lang="ko-KR" altLang="en-US" sz="1200" dirty="0">
-                <a:latin typeface="Noto Sans KR" panose="020B0200000000000000" pitchFamily="50" charset="-127"/>
-                <a:ea typeface="Noto Sans KR" panose="020B0200000000000000" pitchFamily="50" charset="-127"/>
-              </a:rPr>
-              <a:t>최신 </a:t>
-            </a:r>
-            <a:r>
-              <a:rPr lang="en-US" altLang="ko-KR" sz="1200" dirty="0">
-                <a:latin typeface="Noto Sans KR" panose="020B0200000000000000" pitchFamily="50" charset="-127"/>
-                <a:ea typeface="Noto Sans KR" panose="020B0200000000000000" pitchFamily="50" charset="-127"/>
-              </a:rPr>
-              <a:t>Android </a:t>
-            </a:r>
-            <a:r>
-              <a:rPr lang="ko-KR" altLang="en-US" sz="1200" dirty="0">
-                <a:latin typeface="Noto Sans KR" panose="020B0200000000000000" pitchFamily="50" charset="-127"/>
-                <a:ea typeface="Noto Sans KR" panose="020B0200000000000000" pitchFamily="50" charset="-127"/>
-              </a:rPr>
-              <a:t>개발 환경</a:t>
-            </a:r>
-            <a:r>
-              <a:rPr lang="en-US" altLang="ko-KR" sz="1200" dirty="0">
-                <a:latin typeface="Noto Sans KR" panose="020B0200000000000000" pitchFamily="50" charset="-127"/>
-                <a:ea typeface="Noto Sans KR" panose="020B0200000000000000" pitchFamily="50" charset="-127"/>
-              </a:rPr>
-              <a:t>(</a:t>
-            </a:r>
-            <a:r>
-              <a:rPr lang="en-US" altLang="ko-KR" sz="1200" dirty="0" err="1">
-                <a:latin typeface="Noto Sans KR" panose="020B0200000000000000" pitchFamily="50" charset="-127"/>
-                <a:ea typeface="Noto Sans KR" panose="020B0200000000000000" pitchFamily="50" charset="-127"/>
-              </a:rPr>
-              <a:t>AndroidX</a:t>
-            </a:r>
-            <a:r>
-              <a:rPr lang="en-US" altLang="ko-KR" sz="1200" dirty="0">
-                <a:latin typeface="Noto Sans KR" panose="020B0200000000000000" pitchFamily="50" charset="-127"/>
-                <a:ea typeface="Noto Sans KR" panose="020B0200000000000000" pitchFamily="50" charset="-127"/>
-              </a:rPr>
-              <a:t>) </a:t>
-            </a:r>
-            <a:r>
-              <a:rPr lang="ko-KR" altLang="en-US" sz="1200" b="1" dirty="0">
-                <a:latin typeface="Noto Sans KR" panose="020B0200000000000000" pitchFamily="50" charset="-127"/>
-                <a:ea typeface="Noto Sans KR" panose="020B0200000000000000" pitchFamily="50" charset="-127"/>
-              </a:rPr>
-              <a:t>호환성</a:t>
-            </a:r>
-            <a:r>
-              <a:rPr lang="ko-KR" altLang="en-US" sz="1200" dirty="0">
-                <a:latin typeface="Noto Sans KR" panose="020B0200000000000000" pitchFamily="50" charset="-127"/>
-                <a:ea typeface="Noto Sans KR" panose="020B0200000000000000" pitchFamily="50" charset="-127"/>
-              </a:rPr>
-              <a:t> 지원</a:t>
-            </a:r>
-            <a:endParaRPr lang="en-US" sz="1200" dirty="0">
-              <a:latin typeface="Noto Sans KR" panose="020B0200000000000000" pitchFamily="50" charset="-127"/>
-              <a:ea typeface="Noto Sans KR" panose="020B0200000000000000" pitchFamily="50" charset="-127"/>
-            </a:endParaRPr>
-          </a:p>
-        </p:txBody>
-      </p:sp>
-      <p:pic>
-        <p:nvPicPr>
-          <p:cNvPr id="17" name="Image 15" descr="preencoded.png"/>
-          <p:cNvPicPr>
-            <a:picLocks noChangeAspect="1"/>
-          </p:cNvPicPr>
-          <p:nvPr/>
-        </p:nvPicPr>
-        <p:blipFill>
-          <a:blip r:embed="rId9"/>
-          <a:stretch>
-            <a:fillRect/>
-          </a:stretch>
-        </p:blipFill>
-        <p:spPr>
-          <a:xfrm>
-            <a:off x="609600" y="3314700"/>
-            <a:ext cx="5410200" cy="762000"/>
-          </a:xfrm>
-          <a:prstGeom prst="rect">
-            <a:avLst/>
-          </a:prstGeom>
-        </p:spPr>
-      </p:pic>
-      <p:pic>
-        <p:nvPicPr>
-          <p:cNvPr id="18" name="Image 16" descr="preencoded.png"/>
-          <p:cNvPicPr>
-            <a:picLocks noChangeAspect="1"/>
-          </p:cNvPicPr>
-          <p:nvPr/>
-        </p:nvPicPr>
-        <p:blipFill>
-          <a:blip r:embed="rId8">
-            <a:duotone>
-              <a:prstClr val="black"/>
-              <a:schemeClr val="accent2">
-                <a:tint val="45000"/>
-                <a:satMod val="400000"/>
-              </a:schemeClr>
-            </a:duotone>
-          </a:blip>
-          <a:stretch>
-            <a:fillRect/>
-          </a:stretch>
-        </p:blipFill>
-        <p:spPr>
-          <a:xfrm>
-            <a:off x="723900" y="3429000"/>
-            <a:ext cx="476250" cy="476250"/>
-          </a:xfrm>
-          <a:prstGeom prst="rect">
-            <a:avLst/>
-          </a:prstGeom>
-        </p:spPr>
-      </p:pic>
-      <p:sp>
-        <p:nvSpPr>
-          <p:cNvPr id="38" name="Text 9"/>
-          <p:cNvSpPr/>
-          <p:nvPr/>
-        </p:nvSpPr>
-        <p:spPr>
-          <a:xfrm>
-            <a:off x="1352550" y="3429000"/>
-            <a:ext cx="3936921" cy="266700"/>
-          </a:xfrm>
-          <a:prstGeom prst="rect">
-            <a:avLst/>
-          </a:prstGeom>
-          <a:noFill/>
-          <a:ln/>
-        </p:spPr>
-        <p:txBody>
-          <a:bodyPr vert="horz" wrap="square" lIns="0" tIns="0" rIns="0" bIns="0" rtlCol="0" anchor="t"/>
-          <a:lstStyle/>
-          <a:p>
-            <a:pPr>
-              <a:lnSpc>
-                <a:spcPts val="2100"/>
-              </a:lnSpc>
-            </a:pPr>
-            <a:r>
-              <a:rPr lang="en-US" altLang="ko-KR" sz="1600" b="1" dirty="0" err="1">
-                <a:latin typeface="Noto Sans KR" panose="020B0200000000000000" pitchFamily="50" charset="-127"/>
-                <a:ea typeface="Noto Sans KR" panose="020B0200000000000000" pitchFamily="50" charset="-127"/>
-              </a:rPr>
-              <a:t>cordova</a:t>
-            </a:r>
-            <a:r>
-              <a:rPr lang="en-US" altLang="ko-KR" sz="1600" b="1" dirty="0">
-                <a:latin typeface="Noto Sans KR" panose="020B0200000000000000" pitchFamily="50" charset="-127"/>
-                <a:ea typeface="Noto Sans KR" panose="020B0200000000000000" pitchFamily="50" charset="-127"/>
-              </a:rPr>
-              <a:t>-plugin-camera</a:t>
-            </a:r>
-            <a:endParaRPr lang="en-US" sz="1500" b="1" dirty="0">
-              <a:latin typeface="Noto Sans KR" panose="020B0200000000000000" pitchFamily="50" charset="-127"/>
-              <a:ea typeface="Noto Sans KR" panose="020B0200000000000000" pitchFamily="50" charset="-127"/>
-            </a:endParaRPr>
-          </a:p>
-        </p:txBody>
-      </p:sp>
-      <p:sp>
-        <p:nvSpPr>
-          <p:cNvPr id="39" name="Text 10"/>
-          <p:cNvSpPr/>
-          <p:nvPr/>
-        </p:nvSpPr>
-        <p:spPr>
-          <a:xfrm>
-            <a:off x="1352550" y="3733800"/>
-            <a:ext cx="3280767" cy="228600"/>
-          </a:xfrm>
-          <a:prstGeom prst="rect">
-            <a:avLst/>
-          </a:prstGeom>
-          <a:noFill/>
-          <a:ln/>
-        </p:spPr>
-        <p:txBody>
-          <a:bodyPr vert="horz" wrap="square" lIns="0" tIns="0" rIns="0" bIns="0" rtlCol="0" anchor="t"/>
-          <a:lstStyle/>
-          <a:p>
-            <a:pPr>
-              <a:lnSpc>
-                <a:spcPts val="1800"/>
-              </a:lnSpc>
-            </a:pPr>
-            <a:r>
-              <a:rPr lang="ko-KR" altLang="en-US" sz="1200" b="1" dirty="0">
-                <a:latin typeface="Noto Sans KR" panose="020B0200000000000000" pitchFamily="50" charset="-127"/>
-                <a:ea typeface="Noto Sans KR" panose="020B0200000000000000" pitchFamily="50" charset="-127"/>
-              </a:rPr>
-              <a:t>카메라</a:t>
-            </a:r>
-            <a:r>
-              <a:rPr lang="ko-KR" altLang="en-US" sz="1200" dirty="0">
-                <a:latin typeface="Noto Sans KR" panose="020B0200000000000000" pitchFamily="50" charset="-127"/>
-                <a:ea typeface="Noto Sans KR" panose="020B0200000000000000" pitchFamily="50" charset="-127"/>
-              </a:rPr>
-              <a:t> 사용 및 사진 갤러리 접근</a:t>
-            </a:r>
-            <a:endParaRPr lang="en-US" sz="1200" dirty="0">
-              <a:latin typeface="Noto Sans KR" panose="020B0200000000000000" pitchFamily="50" charset="-127"/>
-              <a:ea typeface="Noto Sans KR" panose="020B0200000000000000" pitchFamily="50" charset="-127"/>
-            </a:endParaRPr>
-          </a:p>
-        </p:txBody>
-      </p:sp>
-      <p:pic>
-        <p:nvPicPr>
-          <p:cNvPr id="20" name="Image 18" descr="preencoded.png"/>
-          <p:cNvPicPr>
-            <a:picLocks noChangeAspect="1"/>
-          </p:cNvPicPr>
-          <p:nvPr/>
-        </p:nvPicPr>
-        <p:blipFill>
-          <a:blip r:embed="rId9"/>
-          <a:stretch>
-            <a:fillRect/>
-          </a:stretch>
-        </p:blipFill>
-        <p:spPr>
-          <a:xfrm>
-            <a:off x="609600" y="1481667"/>
-            <a:ext cx="5410200" cy="762000"/>
-          </a:xfrm>
-          <a:prstGeom prst="rect">
-            <a:avLst/>
-          </a:prstGeom>
-        </p:spPr>
-      </p:pic>
-      <p:pic>
-        <p:nvPicPr>
-          <p:cNvPr id="21" name="Image 19" descr="preencoded.png"/>
-          <p:cNvPicPr>
-            <a:picLocks noChangeAspect="1"/>
-          </p:cNvPicPr>
-          <p:nvPr/>
-        </p:nvPicPr>
-        <p:blipFill>
-          <a:blip r:embed="rId10">
-            <a:duotone>
-              <a:prstClr val="black"/>
-              <a:schemeClr val="accent2">
-                <a:tint val="45000"/>
-                <a:satMod val="400000"/>
-              </a:schemeClr>
-            </a:duotone>
-          </a:blip>
-          <a:stretch>
-            <a:fillRect/>
-          </a:stretch>
-        </p:blipFill>
-        <p:spPr>
-          <a:xfrm>
-            <a:off x="723900" y="1595967"/>
-            <a:ext cx="476250" cy="476250"/>
-          </a:xfrm>
-          <a:prstGeom prst="rect">
-            <a:avLst/>
-          </a:prstGeom>
-        </p:spPr>
-      </p:pic>
-      <p:sp>
-        <p:nvSpPr>
-          <p:cNvPr id="40" name="Text 11"/>
-          <p:cNvSpPr/>
-          <p:nvPr/>
-        </p:nvSpPr>
-        <p:spPr>
-          <a:xfrm>
-            <a:off x="1352550" y="1595967"/>
-            <a:ext cx="2794278" cy="266700"/>
-          </a:xfrm>
-          <a:prstGeom prst="rect">
-            <a:avLst/>
-          </a:prstGeom>
-          <a:noFill/>
-          <a:ln/>
-        </p:spPr>
-        <p:txBody>
-          <a:bodyPr vert="horz" wrap="square" lIns="0" tIns="0" rIns="0" bIns="0" rtlCol="0" anchor="t"/>
-          <a:lstStyle/>
-          <a:p>
-            <a:pPr marL="0" indent="0">
-              <a:lnSpc>
-                <a:spcPts val="2100"/>
-              </a:lnSpc>
-              <a:buNone/>
-            </a:pPr>
-            <a:r>
-              <a:rPr lang="en-US" sz="1600" b="1" dirty="0">
-                <a:latin typeface="Noto Sans KR" panose="020B0200000000000000" pitchFamily="50" charset="-127"/>
-                <a:ea typeface="Noto Sans KR" panose="020B0200000000000000" pitchFamily="50" charset="-127"/>
-                <a:cs typeface="Nanum Square" pitchFamily="34" charset="-120"/>
-              </a:rPr>
-              <a:t>cordova-plugin-file</a:t>
-            </a:r>
-            <a:endParaRPr lang="en-US" sz="1500" dirty="0">
-              <a:latin typeface="Noto Sans KR" panose="020B0200000000000000" pitchFamily="50" charset="-127"/>
-              <a:ea typeface="Noto Sans KR" panose="020B0200000000000000" pitchFamily="50" charset="-127"/>
-            </a:endParaRPr>
-          </a:p>
-        </p:txBody>
-      </p:sp>
-      <p:sp>
-        <p:nvSpPr>
-          <p:cNvPr id="41" name="Text 12"/>
-          <p:cNvSpPr/>
-          <p:nvPr/>
-        </p:nvSpPr>
-        <p:spPr>
-          <a:xfrm>
-            <a:off x="1352550" y="1900767"/>
-            <a:ext cx="2794278" cy="228600"/>
+            <a:off x="11201102" y="6324600"/>
+            <a:ext cx="457557" cy="228600"/>
           </a:xfrm>
           <a:prstGeom prst="rect">
             <a:avLst/>
@@ -11076,11 +11555,14 @@
             </a:pPr>
             <a:r>
               <a:rPr lang="en-US" sz="1200" dirty="0">
-                <a:latin typeface="Noto Sans KR" panose="020B0200000000000000" pitchFamily="50" charset="-127"/>
-                <a:ea typeface="Noto Sans KR" panose="020B0200000000000000" pitchFamily="50" charset="-127"/>
-                <a:cs typeface="Nanum Square" pitchFamily="34" charset="-120"/>
-              </a:rPr>
-              <a:t>파일 시스템 접근 및 조작 API 제공</a:t>
+                <a:solidFill>
+                  <a:srgbClr val="6B7280"/>
+                </a:solidFill>
+                <a:latin typeface="Noto Sans KR" panose="020B0200000000000000" pitchFamily="50" charset="-127"/>
+                <a:ea typeface="Noto Sans KR" panose="020B0200000000000000" pitchFamily="50" charset="-127"/>
+                <a:cs typeface="Nanum Square" pitchFamily="34" charset="-120"/>
+              </a:rPr>
+              <a:t>8/11</a:t>
             </a:r>
             <a:endParaRPr lang="en-US" sz="1200" dirty="0">
               <a:latin typeface="Noto Sans KR" panose="020B0200000000000000" pitchFamily="50" charset="-127"/>
@@ -11089,616 +11571,281 @@
           </a:p>
         </p:txBody>
       </p:sp>
-      <p:pic>
-        <p:nvPicPr>
-          <p:cNvPr id="23" name="Image 21" descr="preencoded.png"/>
-          <p:cNvPicPr>
-            <a:picLocks noChangeAspect="1"/>
-          </p:cNvPicPr>
-          <p:nvPr/>
-        </p:nvPicPr>
-        <p:blipFill>
-          <a:blip r:embed="rId11"/>
-          <a:stretch>
-            <a:fillRect/>
-          </a:stretch>
-        </p:blipFill>
-        <p:spPr>
-          <a:xfrm>
-            <a:off x="609600" y="4229100"/>
-            <a:ext cx="5410200" cy="762000"/>
-          </a:xfrm>
-          <a:prstGeom prst="rect">
-            <a:avLst/>
-          </a:prstGeom>
-        </p:spPr>
-      </p:pic>
-      <p:pic>
-        <p:nvPicPr>
-          <p:cNvPr id="24" name="Image 22" descr="preencoded.png"/>
-          <p:cNvPicPr>
-            <a:picLocks noChangeAspect="1"/>
-          </p:cNvPicPr>
-          <p:nvPr/>
-        </p:nvPicPr>
-        <p:blipFill>
-          <a:blip r:embed="rId8">
-            <a:duotone>
-              <a:prstClr val="black"/>
-              <a:schemeClr val="accent2">
-                <a:tint val="45000"/>
-                <a:satMod val="400000"/>
-              </a:schemeClr>
-            </a:duotone>
-          </a:blip>
-          <a:stretch>
-            <a:fillRect/>
-          </a:stretch>
-        </p:blipFill>
-        <p:spPr>
-          <a:xfrm>
-            <a:off x="723900" y="4343400"/>
-            <a:ext cx="476250" cy="476250"/>
-          </a:xfrm>
-          <a:prstGeom prst="rect">
-            <a:avLst/>
-          </a:prstGeom>
-        </p:spPr>
-      </p:pic>
-      <p:sp>
-        <p:nvSpPr>
-          <p:cNvPr id="42" name="Text 13"/>
-          <p:cNvSpPr/>
-          <p:nvPr/>
-        </p:nvSpPr>
-        <p:spPr>
-          <a:xfrm>
-            <a:off x="1352550" y="4343400"/>
-            <a:ext cx="4348579" cy="266700"/>
-          </a:xfrm>
-          <a:prstGeom prst="rect">
-            <a:avLst/>
-          </a:prstGeom>
-          <a:noFill/>
-          <a:ln/>
-        </p:spPr>
-        <p:txBody>
-          <a:bodyPr vert="horz" wrap="square" lIns="0" tIns="0" rIns="0" bIns="0" rtlCol="0" anchor="t"/>
-          <a:lstStyle/>
-          <a:p>
-            <a:pPr>
-              <a:lnSpc>
-                <a:spcPts val="2100"/>
-              </a:lnSpc>
-            </a:pPr>
-            <a:r>
-              <a:rPr lang="en-US" altLang="ko-KR" sz="1600" b="1" dirty="0" err="1">
-                <a:latin typeface="Noto Sans KR" panose="020B0200000000000000" pitchFamily="50" charset="-127"/>
-                <a:ea typeface="Noto Sans KR" panose="020B0200000000000000" pitchFamily="50" charset="-127"/>
-              </a:rPr>
-              <a:t>cordova</a:t>
-            </a:r>
-            <a:r>
-              <a:rPr lang="en-US" altLang="ko-KR" sz="1600" b="1" dirty="0">
-                <a:latin typeface="Noto Sans KR" panose="020B0200000000000000" pitchFamily="50" charset="-127"/>
-                <a:ea typeface="Noto Sans KR" panose="020B0200000000000000" pitchFamily="50" charset="-127"/>
-              </a:rPr>
-              <a:t>-plugin-ionic-</a:t>
-            </a:r>
-            <a:r>
-              <a:rPr lang="en-US" altLang="ko-KR" sz="1600" b="1" dirty="0" err="1">
-                <a:latin typeface="Noto Sans KR" panose="020B0200000000000000" pitchFamily="50" charset="-127"/>
-                <a:ea typeface="Noto Sans KR" panose="020B0200000000000000" pitchFamily="50" charset="-127"/>
-              </a:rPr>
-              <a:t>webview</a:t>
-            </a:r>
-            <a:endParaRPr lang="en-US" sz="1500" b="1" dirty="0">
-              <a:latin typeface="Noto Sans KR" panose="020B0200000000000000" pitchFamily="50" charset="-127"/>
-              <a:ea typeface="Noto Sans KR" panose="020B0200000000000000" pitchFamily="50" charset="-127"/>
-            </a:endParaRPr>
-          </a:p>
-        </p:txBody>
-      </p:sp>
-      <p:sp>
-        <p:nvSpPr>
-          <p:cNvPr id="43" name="Text 14"/>
-          <p:cNvSpPr/>
-          <p:nvPr/>
-        </p:nvSpPr>
-        <p:spPr>
-          <a:xfrm>
-            <a:off x="1352550" y="4648200"/>
-            <a:ext cx="4348579" cy="228600"/>
-          </a:xfrm>
-          <a:prstGeom prst="rect">
-            <a:avLst/>
-          </a:prstGeom>
-          <a:noFill/>
-          <a:ln/>
-        </p:spPr>
-        <p:txBody>
-          <a:bodyPr vert="horz" wrap="square" lIns="0" tIns="0" rIns="0" bIns="0" rtlCol="0" anchor="t"/>
-          <a:lstStyle/>
-          <a:p>
-            <a:pPr>
-              <a:lnSpc>
-                <a:spcPts val="1800"/>
-              </a:lnSpc>
-            </a:pPr>
-            <a:r>
-              <a:rPr lang="en-US" altLang="ko-KR" sz="1200" dirty="0">
-                <a:latin typeface="Noto Sans KR" panose="020B0200000000000000" pitchFamily="50" charset="-127"/>
-                <a:ea typeface="Noto Sans KR" panose="020B0200000000000000" pitchFamily="50" charset="-127"/>
-              </a:rPr>
-              <a:t>Ionic </a:t>
-            </a:r>
-            <a:r>
-              <a:rPr lang="ko-KR" altLang="en-US" sz="1200" dirty="0">
-                <a:latin typeface="Noto Sans KR" panose="020B0200000000000000" pitchFamily="50" charset="-127"/>
-                <a:ea typeface="Noto Sans KR" panose="020B0200000000000000" pitchFamily="50" charset="-127"/>
-              </a:rPr>
-              <a:t>앱의 </a:t>
-            </a:r>
-            <a:r>
-              <a:rPr lang="ko-KR" altLang="en-US" sz="1200" b="1" dirty="0">
-                <a:latin typeface="Noto Sans KR" panose="020B0200000000000000" pitchFamily="50" charset="-127"/>
-                <a:ea typeface="Noto Sans KR" panose="020B0200000000000000" pitchFamily="50" charset="-127"/>
-              </a:rPr>
-              <a:t>웹 뷰 성능</a:t>
-            </a:r>
-            <a:r>
-              <a:rPr lang="ko-KR" altLang="en-US" sz="1200" dirty="0">
-                <a:latin typeface="Noto Sans KR" panose="020B0200000000000000" pitchFamily="50" charset="-127"/>
-                <a:ea typeface="Noto Sans KR" panose="020B0200000000000000" pitchFamily="50" charset="-127"/>
-              </a:rPr>
-              <a:t> 최적화</a:t>
-            </a:r>
-            <a:endParaRPr lang="en-US" sz="1200" dirty="0">
-              <a:latin typeface="Noto Sans KR" panose="020B0200000000000000" pitchFamily="50" charset="-127"/>
-              <a:ea typeface="Noto Sans KR" panose="020B0200000000000000" pitchFamily="50" charset="-127"/>
-            </a:endParaRPr>
-          </a:p>
-        </p:txBody>
-      </p:sp>
-      <p:pic>
-        <p:nvPicPr>
-          <p:cNvPr id="26" name="Image 24" descr="preencoded.png"/>
-          <p:cNvPicPr>
-            <a:picLocks noChangeAspect="1"/>
-          </p:cNvPicPr>
-          <p:nvPr/>
-        </p:nvPicPr>
-        <p:blipFill>
-          <a:blip r:embed="rId11"/>
-          <a:stretch>
-            <a:fillRect/>
-          </a:stretch>
-        </p:blipFill>
-        <p:spPr>
-          <a:xfrm>
-            <a:off x="6172200" y="3314700"/>
-            <a:ext cx="5410200" cy="766233"/>
-          </a:xfrm>
-          <a:prstGeom prst="rect">
-            <a:avLst/>
-          </a:prstGeom>
-        </p:spPr>
-      </p:pic>
-      <p:pic>
-        <p:nvPicPr>
-          <p:cNvPr id="27" name="Image 25" descr="preencoded.png"/>
-          <p:cNvPicPr>
-            <a:picLocks noChangeAspect="1"/>
-          </p:cNvPicPr>
-          <p:nvPr/>
-        </p:nvPicPr>
-        <p:blipFill>
-          <a:blip r:embed="rId10">
-            <a:duotone>
-              <a:prstClr val="black"/>
-              <a:schemeClr val="accent1">
-                <a:tint val="45000"/>
-                <a:satMod val="400000"/>
-              </a:schemeClr>
-            </a:duotone>
-          </a:blip>
-          <a:stretch>
-            <a:fillRect/>
-          </a:stretch>
-        </p:blipFill>
-        <p:spPr>
-          <a:xfrm>
-            <a:off x="6286500" y="3429000"/>
-            <a:ext cx="476250" cy="476250"/>
-          </a:xfrm>
-          <a:prstGeom prst="rect">
-            <a:avLst/>
-          </a:prstGeom>
-        </p:spPr>
-      </p:pic>
-      <p:sp>
-        <p:nvSpPr>
-          <p:cNvPr id="44" name="Text 15"/>
-          <p:cNvSpPr/>
-          <p:nvPr/>
-        </p:nvSpPr>
-        <p:spPr>
-          <a:xfrm>
-            <a:off x="6915150" y="3429000"/>
-            <a:ext cx="5463540" cy="266700"/>
-          </a:xfrm>
-          <a:prstGeom prst="rect">
-            <a:avLst/>
-          </a:prstGeom>
-          <a:noFill/>
-          <a:ln/>
-        </p:spPr>
-        <p:txBody>
-          <a:bodyPr vert="horz" wrap="square" lIns="0" tIns="0" rIns="0" bIns="0" rtlCol="0" anchor="t"/>
-          <a:lstStyle/>
-          <a:p>
-            <a:pPr marL="0" indent="0">
-              <a:lnSpc>
-                <a:spcPts val="2100"/>
-              </a:lnSpc>
-              <a:buNone/>
-            </a:pPr>
-            <a:r>
-              <a:rPr lang="en-US" sz="1600" b="1" dirty="0">
-                <a:latin typeface="Noto Sans KR" panose="020B0200000000000000" pitchFamily="50" charset="-127"/>
-                <a:ea typeface="Noto Sans KR" panose="020B0200000000000000" pitchFamily="50" charset="-127"/>
-                <a:cs typeface="Nanum Square" pitchFamily="34" charset="-120"/>
-              </a:rPr>
-              <a:t>cordova-plugin-whitelist</a:t>
-            </a:r>
-            <a:endParaRPr lang="en-US" sz="1500" dirty="0">
-              <a:latin typeface="Noto Sans KR" panose="020B0200000000000000" pitchFamily="50" charset="-127"/>
-              <a:ea typeface="Noto Sans KR" panose="020B0200000000000000" pitchFamily="50" charset="-127"/>
-            </a:endParaRPr>
-          </a:p>
-        </p:txBody>
-      </p:sp>
-      <p:sp>
-        <p:nvSpPr>
-          <p:cNvPr id="45" name="Text 16"/>
-          <p:cNvSpPr/>
-          <p:nvPr/>
-        </p:nvSpPr>
-        <p:spPr>
-          <a:xfrm>
-            <a:off x="6915150" y="3733800"/>
-            <a:ext cx="4552950" cy="457200"/>
-          </a:xfrm>
-          <a:prstGeom prst="rect">
-            <a:avLst/>
-          </a:prstGeom>
-          <a:noFill/>
-          <a:ln/>
-        </p:spPr>
-        <p:txBody>
-          <a:bodyPr vert="horz" wrap="square" lIns="0" tIns="0" rIns="0" bIns="0" rtlCol="0" anchor="t"/>
-          <a:lstStyle/>
-          <a:p>
-            <a:pPr marL="0" indent="0">
-              <a:lnSpc>
-                <a:spcPts val="1800"/>
-              </a:lnSpc>
-              <a:buNone/>
-            </a:pPr>
-            <a:r>
-              <a:rPr lang="en-US" sz="1200" dirty="0">
-                <a:latin typeface="Noto Sans KR" panose="020B0200000000000000" pitchFamily="50" charset="-127"/>
-                <a:ea typeface="Noto Sans KR" panose="020B0200000000000000" pitchFamily="50" charset="-127"/>
-                <a:cs typeface="Nanum Square" pitchFamily="34" charset="-120"/>
-              </a:rPr>
-              <a:t>외부 URL 접속 정책 제어 (네비게이션, AJAX 요청 등 허용 대상 지정)</a:t>
-            </a:r>
-            <a:endParaRPr lang="en-US" sz="1200" dirty="0">
-              <a:latin typeface="Noto Sans KR" panose="020B0200000000000000" pitchFamily="50" charset="-127"/>
-              <a:ea typeface="Noto Sans KR" panose="020B0200000000000000" pitchFamily="50" charset="-127"/>
-            </a:endParaRPr>
-          </a:p>
-        </p:txBody>
-      </p:sp>
-      <p:sp>
-        <p:nvSpPr>
-          <p:cNvPr id="46" name="Text 17"/>
-          <p:cNvSpPr/>
-          <p:nvPr/>
-        </p:nvSpPr>
-        <p:spPr>
-          <a:xfrm>
-            <a:off x="11201102" y="6324600"/>
-            <a:ext cx="457557" cy="228600"/>
-          </a:xfrm>
-          <a:prstGeom prst="rect">
-            <a:avLst/>
-          </a:prstGeom>
-          <a:noFill/>
-          <a:ln/>
-        </p:spPr>
-        <p:txBody>
-          <a:bodyPr vert="horz" wrap="square" lIns="0" tIns="0" rIns="0" bIns="0" rtlCol="0" anchor="t"/>
-          <a:lstStyle/>
-          <a:p>
-            <a:pPr marL="0" indent="0">
-              <a:lnSpc>
-                <a:spcPts val="1800"/>
-              </a:lnSpc>
-              <a:buNone/>
-            </a:pPr>
-            <a:r>
-              <a:rPr lang="en-US" sz="1200" dirty="0">
-                <a:solidFill>
-                  <a:srgbClr val="6B7280"/>
-                </a:solidFill>
-                <a:latin typeface="Noto Sans KR" panose="020B0200000000000000" pitchFamily="50" charset="-127"/>
-                <a:ea typeface="Noto Sans KR" panose="020B0200000000000000" pitchFamily="50" charset="-127"/>
-                <a:cs typeface="Nanum Square" pitchFamily="34" charset="-120"/>
-              </a:rPr>
-              <a:t>8/11</a:t>
-            </a:r>
-            <a:endParaRPr lang="en-US" sz="1200" dirty="0">
-              <a:latin typeface="Noto Sans KR" panose="020B0200000000000000" pitchFamily="50" charset="-127"/>
-              <a:ea typeface="Noto Sans KR" panose="020B0200000000000000" pitchFamily="50" charset="-127"/>
-            </a:endParaRPr>
-          </a:p>
-        </p:txBody>
-      </p:sp>
-      <p:pic>
-        <p:nvPicPr>
-          <p:cNvPr id="48" name="Image 24" descr="preencoded.png">
+      <p:grpSp>
+        <p:nvGrpSpPr>
+          <p:cNvPr id="8" name="그룹 7">
             <a:extLst>
               <a:ext uri="{FF2B5EF4-FFF2-40B4-BE49-F238E27FC236}">
-                <a16:creationId xmlns:a16="http://schemas.microsoft.com/office/drawing/2014/main" id="{5E9983B4-B4CF-4EB7-A089-AD870EA26FD9}"/>
+                <a16:creationId xmlns:a16="http://schemas.microsoft.com/office/drawing/2014/main" id="{FD92F2C5-3FF7-4A8A-B121-1F4B07C5CCC0}"/>
               </a:ext>
             </a:extLst>
           </p:cNvPr>
-          <p:cNvPicPr>
-            <a:picLocks noChangeAspect="1"/>
-          </p:cNvPicPr>
-          <p:nvPr/>
-        </p:nvPicPr>
-        <p:blipFill>
-          <a:blip r:embed="rId11"/>
-          <a:stretch>
-            <a:fillRect/>
-          </a:stretch>
-        </p:blipFill>
-        <p:spPr>
-          <a:xfrm>
-            <a:off x="609600" y="2391834"/>
-            <a:ext cx="5410200" cy="762000"/>
-          </a:xfrm>
-          <a:prstGeom prst="rect">
-            <a:avLst/>
-          </a:prstGeom>
-        </p:spPr>
-      </p:pic>
-      <p:pic>
-        <p:nvPicPr>
-          <p:cNvPr id="49" name="Image 25" descr="preencoded.png">
-            <a:extLst>
-              <a:ext uri="{FF2B5EF4-FFF2-40B4-BE49-F238E27FC236}">
-                <a16:creationId xmlns:a16="http://schemas.microsoft.com/office/drawing/2014/main" id="{B3189C55-7424-4AEA-A239-72385D18DF35}"/>
-              </a:ext>
-            </a:extLst>
-          </p:cNvPr>
-          <p:cNvPicPr>
-            <a:picLocks noChangeAspect="1"/>
-          </p:cNvPicPr>
-          <p:nvPr/>
-        </p:nvPicPr>
-        <p:blipFill>
-          <a:blip r:embed="rId10">
-            <a:duotone>
-              <a:prstClr val="black"/>
-              <a:schemeClr val="accent2">
-                <a:tint val="45000"/>
-                <a:satMod val="400000"/>
-              </a:schemeClr>
-            </a:duotone>
-          </a:blip>
-          <a:stretch>
-            <a:fillRect/>
-          </a:stretch>
-        </p:blipFill>
-        <p:spPr>
-          <a:xfrm>
-            <a:off x="723900" y="2499785"/>
-            <a:ext cx="476250" cy="476250"/>
-          </a:xfrm>
-          <a:prstGeom prst="rect">
-            <a:avLst/>
-          </a:prstGeom>
-        </p:spPr>
-      </p:pic>
-      <p:sp>
-        <p:nvSpPr>
-          <p:cNvPr id="50" name="Text 15">
-            <a:extLst>
-              <a:ext uri="{FF2B5EF4-FFF2-40B4-BE49-F238E27FC236}">
-                <a16:creationId xmlns:a16="http://schemas.microsoft.com/office/drawing/2014/main" id="{C49AD869-6117-49E2-97CD-D7457F68E63C}"/>
-              </a:ext>
-            </a:extLst>
-          </p:cNvPr>
-          <p:cNvSpPr/>
-          <p:nvPr/>
-        </p:nvSpPr>
-        <p:spPr>
-          <a:xfrm>
-            <a:off x="1352550" y="2499785"/>
-            <a:ext cx="5463540" cy="266700"/>
-          </a:xfrm>
-          <a:prstGeom prst="rect">
-            <a:avLst/>
-          </a:prstGeom>
-          <a:noFill/>
-          <a:ln/>
-        </p:spPr>
-        <p:txBody>
-          <a:bodyPr vert="horz" wrap="square" lIns="0" tIns="0" rIns="0" bIns="0" rtlCol="0" anchor="t"/>
-          <a:lstStyle/>
-          <a:p>
-            <a:pPr>
-              <a:lnSpc>
-                <a:spcPts val="2100"/>
-              </a:lnSpc>
-            </a:pPr>
-            <a:r>
-              <a:rPr lang="en-US" altLang="ko-KR" sz="1600" b="1" dirty="0" err="1">
-                <a:latin typeface="Noto Sans KR" panose="020B0200000000000000" pitchFamily="50" charset="-127"/>
-                <a:ea typeface="Noto Sans KR" panose="020B0200000000000000" pitchFamily="50" charset="-127"/>
-                <a:cs typeface="Nanum Square" pitchFamily="34" charset="-120"/>
-              </a:rPr>
-              <a:t>cordova</a:t>
-            </a:r>
-            <a:r>
-              <a:rPr lang="en-US" altLang="ko-KR" sz="1600" b="1" dirty="0">
-                <a:latin typeface="Noto Sans KR" panose="020B0200000000000000" pitchFamily="50" charset="-127"/>
-                <a:ea typeface="Noto Sans KR" panose="020B0200000000000000" pitchFamily="50" charset="-127"/>
-                <a:cs typeface="Nanum Square" pitchFamily="34" charset="-120"/>
-              </a:rPr>
-              <a:t>-plugin-</a:t>
-            </a:r>
-            <a:r>
-              <a:rPr lang="en-US" altLang="ko-KR" sz="1600" b="1" dirty="0" err="1">
-                <a:latin typeface="Noto Sans KR" panose="020B0200000000000000" pitchFamily="50" charset="-127"/>
-                <a:ea typeface="Noto Sans KR" panose="020B0200000000000000" pitchFamily="50" charset="-127"/>
-                <a:cs typeface="Nanum Square" pitchFamily="34" charset="-120"/>
-              </a:rPr>
-              <a:t>statusbar</a:t>
-            </a:r>
-            <a:endParaRPr lang="en-US" altLang="ko-KR" sz="1500" dirty="0">
-              <a:latin typeface="Noto Sans KR" panose="020B0200000000000000" pitchFamily="50" charset="-127"/>
-              <a:ea typeface="Noto Sans KR" panose="020B0200000000000000" pitchFamily="50" charset="-127"/>
-            </a:endParaRPr>
-          </a:p>
-        </p:txBody>
-      </p:sp>
-      <p:sp>
-        <p:nvSpPr>
-          <p:cNvPr id="51" name="Text 16">
-            <a:extLst>
-              <a:ext uri="{FF2B5EF4-FFF2-40B4-BE49-F238E27FC236}">
-                <a16:creationId xmlns:a16="http://schemas.microsoft.com/office/drawing/2014/main" id="{FCB7F6B6-D1BB-4B33-A8E4-5BD01C52B825}"/>
-              </a:ext>
-            </a:extLst>
-          </p:cNvPr>
-          <p:cNvSpPr/>
-          <p:nvPr/>
-        </p:nvSpPr>
-        <p:spPr>
-          <a:xfrm>
-            <a:off x="1352550" y="2804585"/>
-            <a:ext cx="4552950" cy="457200"/>
-          </a:xfrm>
-          <a:prstGeom prst="rect">
-            <a:avLst/>
-          </a:prstGeom>
-          <a:noFill/>
-          <a:ln/>
-        </p:spPr>
-        <p:txBody>
-          <a:bodyPr vert="horz" wrap="square" lIns="0" tIns="0" rIns="0" bIns="0" rtlCol="0" anchor="t"/>
-          <a:lstStyle/>
-          <a:p>
-            <a:pPr>
-              <a:lnSpc>
-                <a:spcPts val="1800"/>
-              </a:lnSpc>
-            </a:pPr>
-            <a:r>
-              <a:rPr lang="en-US" altLang="ko-KR" sz="1200" dirty="0" err="1">
-                <a:latin typeface="Noto Sans KR" panose="020B0200000000000000" pitchFamily="50" charset="-127"/>
-                <a:ea typeface="Noto Sans KR" panose="020B0200000000000000" pitchFamily="50" charset="-127"/>
-              </a:rPr>
-              <a:t>statusBar</a:t>
-            </a:r>
-            <a:r>
-              <a:rPr lang="ko-KR" altLang="en-US" sz="1200" dirty="0">
-                <a:latin typeface="Noto Sans KR" panose="020B0200000000000000" pitchFamily="50" charset="-127"/>
-                <a:ea typeface="Noto Sans KR" panose="020B0200000000000000" pitchFamily="50" charset="-127"/>
-              </a:rPr>
-              <a:t>의 </a:t>
-            </a:r>
-            <a:r>
-              <a:rPr lang="ko-KR" altLang="en-US" sz="1200" b="1" dirty="0">
-                <a:latin typeface="Noto Sans KR" panose="020B0200000000000000" pitchFamily="50" charset="-127"/>
-                <a:ea typeface="Noto Sans KR" panose="020B0200000000000000" pitchFamily="50" charset="-127"/>
-              </a:rPr>
-              <a:t>색상</a:t>
-            </a:r>
-            <a:r>
-              <a:rPr lang="en-US" altLang="ko-KR" sz="1200" dirty="0">
-                <a:latin typeface="Noto Sans KR" panose="020B0200000000000000" pitchFamily="50" charset="-127"/>
-                <a:ea typeface="Noto Sans KR" panose="020B0200000000000000" pitchFamily="50" charset="-127"/>
-              </a:rPr>
-              <a:t>, </a:t>
-            </a:r>
-            <a:r>
-              <a:rPr lang="ko-KR" altLang="en-US" sz="1200" b="1" dirty="0">
-                <a:latin typeface="Noto Sans KR" panose="020B0200000000000000" pitchFamily="50" charset="-127"/>
-                <a:ea typeface="Noto Sans KR" panose="020B0200000000000000" pitchFamily="50" charset="-127"/>
-              </a:rPr>
-              <a:t>표시</a:t>
-            </a:r>
-            <a:r>
-              <a:rPr lang="en-US" altLang="ko-KR" sz="1200" b="1" dirty="0">
-                <a:latin typeface="Noto Sans KR" panose="020B0200000000000000" pitchFamily="50" charset="-127"/>
-                <a:ea typeface="Noto Sans KR" panose="020B0200000000000000" pitchFamily="50" charset="-127"/>
-              </a:rPr>
-              <a:t>/</a:t>
-            </a:r>
-            <a:r>
-              <a:rPr lang="ko-KR" altLang="en-US" sz="1200" b="1" dirty="0">
-                <a:latin typeface="Noto Sans KR" panose="020B0200000000000000" pitchFamily="50" charset="-127"/>
-                <a:ea typeface="Noto Sans KR" panose="020B0200000000000000" pitchFamily="50" charset="-127"/>
-              </a:rPr>
-              <a:t>숨김</a:t>
-            </a:r>
-            <a:r>
-              <a:rPr lang="en-US" altLang="ko-KR" sz="1200" dirty="0">
-                <a:latin typeface="Noto Sans KR" panose="020B0200000000000000" pitchFamily="50" charset="-127"/>
-                <a:ea typeface="Noto Sans KR" panose="020B0200000000000000" pitchFamily="50" charset="-127"/>
-              </a:rPr>
-              <a:t>, </a:t>
-            </a:r>
-            <a:r>
-              <a:rPr lang="ko-KR" altLang="en-US" sz="1200" b="1" dirty="0">
-                <a:latin typeface="Noto Sans KR" panose="020B0200000000000000" pitchFamily="50" charset="-127"/>
-                <a:ea typeface="Noto Sans KR" panose="020B0200000000000000" pitchFamily="50" charset="-127"/>
-              </a:rPr>
-              <a:t>오버레이 여부</a:t>
-            </a:r>
-            <a:r>
-              <a:rPr lang="ko-KR" altLang="en-US" sz="1200" dirty="0">
-                <a:latin typeface="Noto Sans KR" panose="020B0200000000000000" pitchFamily="50" charset="-127"/>
-                <a:ea typeface="Noto Sans KR" panose="020B0200000000000000" pitchFamily="50" charset="-127"/>
-              </a:rPr>
-              <a:t> 등 </a:t>
-            </a:r>
-            <a:r>
-              <a:rPr lang="en-US" altLang="ko-KR" sz="1200" dirty="0">
-                <a:latin typeface="Noto Sans KR" panose="020B0200000000000000" pitchFamily="50" charset="-127"/>
-                <a:ea typeface="Noto Sans KR" panose="020B0200000000000000" pitchFamily="50" charset="-127"/>
-              </a:rPr>
-              <a:t>UI</a:t>
-            </a:r>
-            <a:r>
-              <a:rPr lang="ko-KR" altLang="en-US" sz="1200" dirty="0">
-                <a:latin typeface="Noto Sans KR" panose="020B0200000000000000" pitchFamily="50" charset="-127"/>
-                <a:ea typeface="Noto Sans KR" panose="020B0200000000000000" pitchFamily="50" charset="-127"/>
-              </a:rPr>
-              <a:t>를 제어</a:t>
-            </a:r>
-            <a:endParaRPr lang="en-US" sz="1200" dirty="0">
-              <a:latin typeface="Noto Sans KR" panose="020B0200000000000000" pitchFamily="50" charset="-127"/>
-              <a:ea typeface="Noto Sans KR" panose="020B0200000000000000" pitchFamily="50" charset="-127"/>
-            </a:endParaRPr>
-          </a:p>
-        </p:txBody>
-      </p:sp>
+          <p:cNvGrpSpPr/>
+          <p:nvPr/>
+        </p:nvGrpSpPr>
+        <p:grpSpPr>
+          <a:xfrm>
+            <a:off x="6172200" y="3325285"/>
+            <a:ext cx="6206490" cy="869951"/>
+            <a:chOff x="609600" y="2391834"/>
+            <a:chExt cx="6206490" cy="869951"/>
+          </a:xfrm>
+        </p:grpSpPr>
+        <p:pic>
+          <p:nvPicPr>
+            <p:cNvPr id="48" name="Image 24" descr="preencoded.png">
+              <a:extLst>
+                <a:ext uri="{FF2B5EF4-FFF2-40B4-BE49-F238E27FC236}">
+                  <a16:creationId xmlns:a16="http://schemas.microsoft.com/office/drawing/2014/main" id="{5E9983B4-B4CF-4EB7-A089-AD870EA26FD9}"/>
+                </a:ext>
+              </a:extLst>
+            </p:cNvPr>
+            <p:cNvPicPr>
+              <a:picLocks noChangeAspect="1"/>
+            </p:cNvPicPr>
+            <p:nvPr/>
+          </p:nvPicPr>
+          <p:blipFill>
+            <a:blip r:embed="rId11"/>
+            <a:stretch>
+              <a:fillRect/>
+            </a:stretch>
+          </p:blipFill>
+          <p:spPr>
+            <a:xfrm>
+              <a:off x="609600" y="2391834"/>
+              <a:ext cx="5410200" cy="762000"/>
+            </a:xfrm>
+            <a:prstGeom prst="rect">
+              <a:avLst/>
+            </a:prstGeom>
+          </p:spPr>
+        </p:pic>
+        <p:pic>
+          <p:nvPicPr>
+            <p:cNvPr id="49" name="Image 25" descr="preencoded.png">
+              <a:extLst>
+                <a:ext uri="{FF2B5EF4-FFF2-40B4-BE49-F238E27FC236}">
+                  <a16:creationId xmlns:a16="http://schemas.microsoft.com/office/drawing/2014/main" id="{B3189C55-7424-4AEA-A239-72385D18DF35}"/>
+                </a:ext>
+              </a:extLst>
+            </p:cNvPr>
+            <p:cNvPicPr>
+              <a:picLocks noChangeAspect="1"/>
+            </p:cNvPicPr>
+            <p:nvPr/>
+          </p:nvPicPr>
+          <p:blipFill>
+            <a:blip r:embed="rId10">
+              <a:duotone>
+                <a:prstClr val="black"/>
+                <a:schemeClr val="accent1">
+                  <a:tint val="45000"/>
+                  <a:satMod val="400000"/>
+                </a:schemeClr>
+              </a:duotone>
+            </a:blip>
+            <a:stretch>
+              <a:fillRect/>
+            </a:stretch>
+          </p:blipFill>
+          <p:spPr>
+            <a:xfrm>
+              <a:off x="723900" y="2499785"/>
+              <a:ext cx="476250" cy="476250"/>
+            </a:xfrm>
+            <a:prstGeom prst="rect">
+              <a:avLst/>
+            </a:prstGeom>
+          </p:spPr>
+        </p:pic>
+        <p:sp>
+          <p:nvSpPr>
+            <p:cNvPr id="50" name="Text 15">
+              <a:extLst>
+                <a:ext uri="{FF2B5EF4-FFF2-40B4-BE49-F238E27FC236}">
+                  <a16:creationId xmlns:a16="http://schemas.microsoft.com/office/drawing/2014/main" id="{C49AD869-6117-49E2-97CD-D7457F68E63C}"/>
+                </a:ext>
+              </a:extLst>
+            </p:cNvPr>
+            <p:cNvSpPr/>
+            <p:nvPr/>
+          </p:nvSpPr>
+          <p:spPr>
+            <a:xfrm>
+              <a:off x="1352550" y="2499785"/>
+              <a:ext cx="5463540" cy="266700"/>
+            </a:xfrm>
+            <a:prstGeom prst="rect">
+              <a:avLst/>
+            </a:prstGeom>
+            <a:noFill/>
+            <a:ln/>
+          </p:spPr>
+          <p:txBody>
+            <a:bodyPr vert="horz" wrap="square" lIns="0" tIns="0" rIns="0" bIns="0" rtlCol="0" anchor="t"/>
+            <a:lstStyle/>
+            <a:p>
+              <a:pPr>
+                <a:lnSpc>
+                  <a:spcPts val="2100"/>
+                </a:lnSpc>
+              </a:pPr>
+              <a:r>
+                <a:rPr lang="en-US" altLang="ko-KR" sz="1600" b="1" dirty="0" err="1">
+                  <a:latin typeface="Noto Sans KR" panose="020B0200000000000000" pitchFamily="50" charset="-127"/>
+                  <a:ea typeface="Noto Sans KR" panose="020B0200000000000000" pitchFamily="50" charset="-127"/>
+                  <a:cs typeface="Nanum Square" pitchFamily="34" charset="-120"/>
+                </a:rPr>
+                <a:t>cordova</a:t>
+              </a:r>
+              <a:r>
+                <a:rPr lang="en-US" altLang="ko-KR" sz="1600" b="1" dirty="0">
+                  <a:latin typeface="Noto Sans KR" panose="020B0200000000000000" pitchFamily="50" charset="-127"/>
+                  <a:ea typeface="Noto Sans KR" panose="020B0200000000000000" pitchFamily="50" charset="-127"/>
+                  <a:cs typeface="Nanum Square" pitchFamily="34" charset="-120"/>
+                </a:rPr>
+                <a:t>-plugin-</a:t>
+              </a:r>
+              <a:r>
+                <a:rPr lang="en-US" altLang="ko-KR" sz="1600" b="1" dirty="0" err="1">
+                  <a:latin typeface="Noto Sans KR" panose="020B0200000000000000" pitchFamily="50" charset="-127"/>
+                  <a:ea typeface="Noto Sans KR" panose="020B0200000000000000" pitchFamily="50" charset="-127"/>
+                  <a:cs typeface="Nanum Square" pitchFamily="34" charset="-120"/>
+                </a:rPr>
+                <a:t>statusbar</a:t>
+              </a:r>
+              <a:endParaRPr lang="en-US" altLang="ko-KR" sz="1500" dirty="0">
+                <a:latin typeface="Noto Sans KR" panose="020B0200000000000000" pitchFamily="50" charset="-127"/>
+                <a:ea typeface="Noto Sans KR" panose="020B0200000000000000" pitchFamily="50" charset="-127"/>
+              </a:endParaRPr>
+            </a:p>
+          </p:txBody>
+        </p:sp>
+        <p:sp>
+          <p:nvSpPr>
+            <p:cNvPr id="51" name="Text 16">
+              <a:extLst>
+                <a:ext uri="{FF2B5EF4-FFF2-40B4-BE49-F238E27FC236}">
+                  <a16:creationId xmlns:a16="http://schemas.microsoft.com/office/drawing/2014/main" id="{FCB7F6B6-D1BB-4B33-A8E4-5BD01C52B825}"/>
+                </a:ext>
+              </a:extLst>
+            </p:cNvPr>
+            <p:cNvSpPr/>
+            <p:nvPr/>
+          </p:nvSpPr>
+          <p:spPr>
+            <a:xfrm>
+              <a:off x="1352550" y="2804585"/>
+              <a:ext cx="4552950" cy="457200"/>
+            </a:xfrm>
+            <a:prstGeom prst="rect">
+              <a:avLst/>
+            </a:prstGeom>
+            <a:noFill/>
+            <a:ln/>
+          </p:spPr>
+          <p:txBody>
+            <a:bodyPr vert="horz" wrap="square" lIns="0" tIns="0" rIns="0" bIns="0" rtlCol="0" anchor="t"/>
+            <a:lstStyle/>
+            <a:p>
+              <a:pPr>
+                <a:lnSpc>
+                  <a:spcPts val="1800"/>
+                </a:lnSpc>
+              </a:pPr>
+              <a:r>
+                <a:rPr lang="en-US" altLang="ko-KR" sz="1200" dirty="0" err="1">
+                  <a:latin typeface="Noto Sans KR" panose="020B0200000000000000" pitchFamily="50" charset="-127"/>
+                  <a:ea typeface="Noto Sans KR" panose="020B0200000000000000" pitchFamily="50" charset="-127"/>
+                </a:rPr>
+                <a:t>statusBar</a:t>
+              </a:r>
+              <a:r>
+                <a:rPr lang="ko-KR" altLang="en-US" sz="1200" dirty="0">
+                  <a:latin typeface="Noto Sans KR" panose="020B0200000000000000" pitchFamily="50" charset="-127"/>
+                  <a:ea typeface="Noto Sans KR" panose="020B0200000000000000" pitchFamily="50" charset="-127"/>
+                </a:rPr>
+                <a:t>의 </a:t>
+              </a:r>
+              <a:r>
+                <a:rPr lang="ko-KR" altLang="en-US" sz="1200" b="1" dirty="0">
+                  <a:latin typeface="Noto Sans KR" panose="020B0200000000000000" pitchFamily="50" charset="-127"/>
+                  <a:ea typeface="Noto Sans KR" panose="020B0200000000000000" pitchFamily="50" charset="-127"/>
+                </a:rPr>
+                <a:t>색상</a:t>
+              </a:r>
+              <a:r>
+                <a:rPr lang="en-US" altLang="ko-KR" sz="1200" dirty="0">
+                  <a:latin typeface="Noto Sans KR" panose="020B0200000000000000" pitchFamily="50" charset="-127"/>
+                  <a:ea typeface="Noto Sans KR" panose="020B0200000000000000" pitchFamily="50" charset="-127"/>
+                </a:rPr>
+                <a:t>, </a:t>
+              </a:r>
+              <a:r>
+                <a:rPr lang="ko-KR" altLang="en-US" sz="1200" b="1" dirty="0">
+                  <a:latin typeface="Noto Sans KR" panose="020B0200000000000000" pitchFamily="50" charset="-127"/>
+                  <a:ea typeface="Noto Sans KR" panose="020B0200000000000000" pitchFamily="50" charset="-127"/>
+                </a:rPr>
+                <a:t>표시</a:t>
+              </a:r>
+              <a:r>
+                <a:rPr lang="en-US" altLang="ko-KR" sz="1200" b="1" dirty="0">
+                  <a:latin typeface="Noto Sans KR" panose="020B0200000000000000" pitchFamily="50" charset="-127"/>
+                  <a:ea typeface="Noto Sans KR" panose="020B0200000000000000" pitchFamily="50" charset="-127"/>
+                </a:rPr>
+                <a:t>/</a:t>
+              </a:r>
+              <a:r>
+                <a:rPr lang="ko-KR" altLang="en-US" sz="1200" b="1" dirty="0">
+                  <a:latin typeface="Noto Sans KR" panose="020B0200000000000000" pitchFamily="50" charset="-127"/>
+                  <a:ea typeface="Noto Sans KR" panose="020B0200000000000000" pitchFamily="50" charset="-127"/>
+                </a:rPr>
+                <a:t>숨김</a:t>
+              </a:r>
+              <a:r>
+                <a:rPr lang="en-US" altLang="ko-KR" sz="1200" dirty="0">
+                  <a:latin typeface="Noto Sans KR" panose="020B0200000000000000" pitchFamily="50" charset="-127"/>
+                  <a:ea typeface="Noto Sans KR" panose="020B0200000000000000" pitchFamily="50" charset="-127"/>
+                </a:rPr>
+                <a:t>, </a:t>
+              </a:r>
+              <a:r>
+                <a:rPr lang="ko-KR" altLang="en-US" sz="1200" b="1" dirty="0">
+                  <a:latin typeface="Noto Sans KR" panose="020B0200000000000000" pitchFamily="50" charset="-127"/>
+                  <a:ea typeface="Noto Sans KR" panose="020B0200000000000000" pitchFamily="50" charset="-127"/>
+                </a:rPr>
+                <a:t>오버레이 여부</a:t>
+              </a:r>
+              <a:r>
+                <a:rPr lang="ko-KR" altLang="en-US" sz="1200" dirty="0">
+                  <a:latin typeface="Noto Sans KR" panose="020B0200000000000000" pitchFamily="50" charset="-127"/>
+                  <a:ea typeface="Noto Sans KR" panose="020B0200000000000000" pitchFamily="50" charset="-127"/>
+                </a:rPr>
+                <a:t> 등 </a:t>
+              </a:r>
+              <a:r>
+                <a:rPr lang="en-US" altLang="ko-KR" sz="1200" dirty="0">
+                  <a:latin typeface="Noto Sans KR" panose="020B0200000000000000" pitchFamily="50" charset="-127"/>
+                  <a:ea typeface="Noto Sans KR" panose="020B0200000000000000" pitchFamily="50" charset="-127"/>
+                </a:rPr>
+                <a:t>UI</a:t>
+              </a:r>
+              <a:r>
+                <a:rPr lang="ko-KR" altLang="en-US" sz="1200" dirty="0">
+                  <a:latin typeface="Noto Sans KR" panose="020B0200000000000000" pitchFamily="50" charset="-127"/>
+                  <a:ea typeface="Noto Sans KR" panose="020B0200000000000000" pitchFamily="50" charset="-127"/>
+                </a:rPr>
+                <a:t>를 제어</a:t>
+              </a:r>
+              <a:endParaRPr lang="en-US" sz="1200" dirty="0">
+                <a:latin typeface="Noto Sans KR" panose="020B0200000000000000" pitchFamily="50" charset="-127"/>
+                <a:ea typeface="Noto Sans KR" panose="020B0200000000000000" pitchFamily="50" charset="-127"/>
+              </a:endParaRPr>
+            </a:p>
+          </p:txBody>
+        </p:sp>
+      </p:grpSp>
       <p:pic>
         <p:nvPicPr>
           <p:cNvPr id="52" name="Image 19" descr="preencoded.png">
@@ -11774,7 +11921,7 @@
                 <a:latin typeface="Noto Sans KR" panose="020B0200000000000000" pitchFamily="50" charset="-127"/>
                 <a:ea typeface="Noto Sans KR" panose="020B0200000000000000" pitchFamily="50" charset="-127"/>
               </a:rPr>
-              <a:t>내부 기능</a:t>
+              <a:t>성장 앨범</a:t>
             </a:r>
             <a:endParaRPr lang="en-US" sz="1200" dirty="0">
               <a:latin typeface="Noto Sans KR" panose="020B0200000000000000" pitchFamily="50" charset="-127"/>
@@ -11835,8 +11982,8 @@
         </p:nvSpPr>
         <p:spPr>
           <a:xfrm>
-            <a:off x="2194516" y="6330950"/>
-            <a:ext cx="848198" cy="228600"/>
+            <a:off x="2194515" y="6330950"/>
+            <a:ext cx="1759417" cy="228600"/>
           </a:xfrm>
           <a:prstGeom prst="rect">
             <a:avLst/>
@@ -11854,11 +12001,39 @@
               </a:lnSpc>
             </a:pPr>
             <a:r>
+              <a:rPr lang="en-US" sz="1200" dirty="0">
+                <a:latin typeface="Noto Sans KR" panose="020B0200000000000000" pitchFamily="50" charset="-127"/>
+                <a:ea typeface="Noto Sans KR" panose="020B0200000000000000" pitchFamily="50" charset="-127"/>
+              </a:rPr>
+              <a:t>UI </a:t>
+            </a:r>
+            <a:r>
               <a:rPr lang="ko-KR" altLang="en-US" sz="1200" dirty="0">
                 <a:latin typeface="Noto Sans KR" panose="020B0200000000000000" pitchFamily="50" charset="-127"/>
                 <a:ea typeface="Noto Sans KR" panose="020B0200000000000000" pitchFamily="50" charset="-127"/>
               </a:rPr>
-              <a:t>접근권한</a:t>
+              <a:t>및 환경 관리</a:t>
+            </a:r>
+            <a:r>
+              <a:rPr lang="en-US" altLang="ko-KR" sz="1200" dirty="0">
+                <a:latin typeface="Noto Sans KR" panose="020B0200000000000000" pitchFamily="50" charset="-127"/>
+                <a:ea typeface="Noto Sans KR" panose="020B0200000000000000" pitchFamily="50" charset="-127"/>
+              </a:rPr>
+              <a:t>(</a:t>
+            </a:r>
+            <a:r>
+              <a:rPr lang="ko-KR" altLang="en-US" sz="1200" dirty="0">
+                <a:latin typeface="Noto Sans KR" panose="020B0200000000000000" pitchFamily="50" charset="-127"/>
+                <a:ea typeface="Noto Sans KR" panose="020B0200000000000000" pitchFamily="50" charset="-127"/>
+              </a:rPr>
+              <a:t>앱 전반</a:t>
+            </a:r>
+            <a:r>
+              <a:rPr lang="en-US" altLang="ko-KR" sz="1200" dirty="0">
+                <a:latin typeface="Noto Sans KR" panose="020B0200000000000000" pitchFamily="50" charset="-127"/>
+                <a:ea typeface="Noto Sans KR" panose="020B0200000000000000" pitchFamily="50" charset="-127"/>
+              </a:rPr>
+              <a:t>)</a:t>
             </a:r>
             <a:endParaRPr lang="en-US" sz="1200" dirty="0">
               <a:latin typeface="Noto Sans KR" panose="020B0200000000000000" pitchFamily="50" charset="-127"/>
